--- a/QGIS Assignment.pptx
+++ b/QGIS Assignment.pptx
@@ -13,12 +13,17 @@
     <p:sldId id="267" r:id="rId7"/>
     <p:sldId id="271" r:id="rId8"/>
     <p:sldId id="272" r:id="rId9"/>
-    <p:sldId id="270" r:id="rId10"/>
-    <p:sldId id="269" r:id="rId11"/>
-    <p:sldId id="263" r:id="rId12"/>
-    <p:sldId id="264" r:id="rId13"/>
-    <p:sldId id="265" r:id="rId14"/>
-    <p:sldId id="266" r:id="rId15"/>
+    <p:sldId id="280" r:id="rId10"/>
+    <p:sldId id="278" r:id="rId11"/>
+    <p:sldId id="279" r:id="rId12"/>
+    <p:sldId id="270" r:id="rId13"/>
+    <p:sldId id="269" r:id="rId14"/>
+    <p:sldId id="273" r:id="rId15"/>
+    <p:sldId id="274" r:id="rId16"/>
+    <p:sldId id="275" r:id="rId17"/>
+    <p:sldId id="276" r:id="rId18"/>
+    <p:sldId id="277" r:id="rId19"/>
+    <p:sldId id="263" r:id="rId20"/>
   </p:sldIdLst>
   <p:sldSz cx="12192000" cy="6858000"/>
   <p:notesSz cx="6858000" cy="9144000"/>
@@ -138,16 +143,21 @@
             <p14:sldId id="267"/>
             <p14:sldId id="271"/>
             <p14:sldId id="272"/>
+            <p14:sldId id="280"/>
+            <p14:sldId id="278"/>
+            <p14:sldId id="279"/>
             <p14:sldId id="270"/>
             <p14:sldId id="269"/>
           </p14:sldIdLst>
         </p14:section>
         <p14:section name="Assignment 3" id="{19F6481E-4EF8-470B-9BDB-2BBEFAE1CA3E}">
           <p14:sldIdLst>
+            <p14:sldId id="273"/>
+            <p14:sldId id="274"/>
+            <p14:sldId id="275"/>
+            <p14:sldId id="276"/>
+            <p14:sldId id="277"/>
             <p14:sldId id="263"/>
-            <p14:sldId id="264"/>
-            <p14:sldId id="265"/>
-            <p14:sldId id="266"/>
           </p14:sldIdLst>
         </p14:section>
       </p14:sectionLst>
@@ -3171,6 +3181,1040 @@
 </file>
 
 <file path=ppt/slides/slide10.xml><?xml version="1.0" encoding="utf-8"?>
+<p:sld xmlns:a="http://schemas.openxmlformats.org/drawingml/2006/main" xmlns:r="http://schemas.openxmlformats.org/officeDocument/2006/relationships" xmlns:p="http://schemas.openxmlformats.org/presentationml/2006/main">
+  <p:cSld>
+    <p:spTree>
+      <p:nvGrpSpPr>
+        <p:cNvPr id="1" name=""/>
+        <p:cNvGrpSpPr/>
+        <p:nvPr/>
+      </p:nvGrpSpPr>
+      <p:grpSpPr>
+        <a:xfrm>
+          <a:off x="0" y="0"/>
+          <a:ext cx="0" cy="0"/>
+          <a:chOff x="0" y="0"/>
+          <a:chExt cx="0" cy="0"/>
+        </a:xfrm>
+      </p:grpSpPr>
+      <p:pic>
+        <p:nvPicPr>
+          <p:cNvPr id="2" name="Picture 1"/>
+          <p:cNvPicPr>
+            <a:picLocks noChangeAspect="1"/>
+          </p:cNvPicPr>
+          <p:nvPr/>
+        </p:nvPicPr>
+        <p:blipFill>
+          <a:blip r:embed="rId2"/>
+          <a:stretch>
+            <a:fillRect/>
+          </a:stretch>
+        </p:blipFill>
+        <p:spPr>
+          <a:xfrm>
+            <a:off x="421241" y="419100"/>
+            <a:ext cx="10899222" cy="6279224"/>
+          </a:xfrm>
+          <a:prstGeom prst="rect">
+            <a:avLst/>
+          </a:prstGeom>
+        </p:spPr>
+      </p:pic>
+    </p:spTree>
+    <p:extLst>
+      <p:ext uri="{BB962C8B-B14F-4D97-AF65-F5344CB8AC3E}">
+        <p14:creationId xmlns:p14="http://schemas.microsoft.com/office/powerpoint/2010/main" val="2547571749"/>
+      </p:ext>
+    </p:extLst>
+  </p:cSld>
+  <p:clrMapOvr>
+    <a:masterClrMapping/>
+  </p:clrMapOvr>
+  <p:timing>
+    <p:tnLst>
+      <p:par>
+        <p:cTn id="1" dur="indefinite" restart="never" nodeType="tmRoot"/>
+      </p:par>
+    </p:tnLst>
+  </p:timing>
+</p:sld>
+</file>
+
+<file path=ppt/slides/slide11.xml><?xml version="1.0" encoding="utf-8"?>
+<p:sld xmlns:a="http://schemas.openxmlformats.org/drawingml/2006/main" xmlns:r="http://schemas.openxmlformats.org/officeDocument/2006/relationships" xmlns:p="http://schemas.openxmlformats.org/presentationml/2006/main">
+  <p:cSld>
+    <p:spTree>
+      <p:nvGrpSpPr>
+        <p:cNvPr id="1" name=""/>
+        <p:cNvGrpSpPr/>
+        <p:nvPr/>
+      </p:nvGrpSpPr>
+      <p:grpSpPr>
+        <a:xfrm>
+          <a:off x="0" y="0"/>
+          <a:ext cx="0" cy="0"/>
+          <a:chOff x="0" y="0"/>
+          <a:chExt cx="0" cy="0"/>
+        </a:xfrm>
+      </p:grpSpPr>
+      <p:pic>
+        <p:nvPicPr>
+          <p:cNvPr id="2" name="Picture 1"/>
+          <p:cNvPicPr>
+            <a:picLocks noChangeAspect="1"/>
+          </p:cNvPicPr>
+          <p:nvPr/>
+        </p:nvPicPr>
+        <p:blipFill>
+          <a:blip r:embed="rId2"/>
+          <a:stretch>
+            <a:fillRect/>
+          </a:stretch>
+        </p:blipFill>
+        <p:spPr>
+          <a:xfrm>
+            <a:off x="166341" y="76200"/>
+            <a:ext cx="11861088" cy="6283503"/>
+          </a:xfrm>
+          <a:prstGeom prst="rect">
+            <a:avLst/>
+          </a:prstGeom>
+        </p:spPr>
+      </p:pic>
+    </p:spTree>
+    <p:extLst>
+      <p:ext uri="{BB962C8B-B14F-4D97-AF65-F5344CB8AC3E}">
+        <p14:creationId xmlns:p14="http://schemas.microsoft.com/office/powerpoint/2010/main" val="1775909055"/>
+      </p:ext>
+    </p:extLst>
+  </p:cSld>
+  <p:clrMapOvr>
+    <a:masterClrMapping/>
+  </p:clrMapOvr>
+  <p:timing>
+    <p:tnLst>
+      <p:par>
+        <p:cTn id="1" dur="indefinite" restart="never" nodeType="tmRoot"/>
+      </p:par>
+    </p:tnLst>
+  </p:timing>
+</p:sld>
+</file>
+
+<file path=ppt/slides/slide12.xml><?xml version="1.0" encoding="utf-8"?>
+<p:sld xmlns:a="http://schemas.openxmlformats.org/drawingml/2006/main" xmlns:r="http://schemas.openxmlformats.org/officeDocument/2006/relationships" xmlns:p="http://schemas.openxmlformats.org/presentationml/2006/main">
+  <p:cSld>
+    <p:spTree>
+      <p:nvGrpSpPr>
+        <p:cNvPr id="1" name=""/>
+        <p:cNvGrpSpPr/>
+        <p:nvPr/>
+      </p:nvGrpSpPr>
+      <p:grpSpPr>
+        <a:xfrm>
+          <a:off x="0" y="0"/>
+          <a:ext cx="0" cy="0"/>
+          <a:chOff x="0" y="0"/>
+          <a:chExt cx="0" cy="0"/>
+        </a:xfrm>
+      </p:grpSpPr>
+      <p:graphicFrame>
+        <p:nvGraphicFramePr>
+          <p:cNvPr id="2" name="Table 1"/>
+          <p:cNvGraphicFramePr>
+            <a:graphicFrameLocks noGrp="1"/>
+          </p:cNvGraphicFramePr>
+          <p:nvPr>
+            <p:extLst>
+              <p:ext uri="{D42A27DB-BD31-4B8C-83A1-F6EECF244321}">
+                <p14:modId xmlns:p14="http://schemas.microsoft.com/office/powerpoint/2010/main" val="366234245"/>
+              </p:ext>
+            </p:extLst>
+          </p:nvPr>
+        </p:nvGraphicFramePr>
+        <p:xfrm>
+          <a:off x="372166" y="371795"/>
+          <a:ext cx="11415644" cy="2690338"/>
+        </p:xfrm>
+        <a:graphic>
+          <a:graphicData uri="http://schemas.openxmlformats.org/drawingml/2006/table">
+            <a:tbl>
+              <a:tblPr firstRow="1" bandRow="1">
+                <a:tableStyleId>{5C22544A-7EE6-4342-B048-85BDC9FD1C3A}</a:tableStyleId>
+              </a:tblPr>
+              <a:tblGrid>
+                <a:gridCol w="6855424">
+                  <a:extLst>
+                    <a:ext uri="{9D8B030D-6E8A-4147-A177-3AD203B41FA5}">
+                      <a16:colId xmlns:a16="http://schemas.microsoft.com/office/drawing/2014/main" val="3398990145"/>
+                    </a:ext>
+                  </a:extLst>
+                </a:gridCol>
+                <a:gridCol w="4351940">
+                  <a:extLst>
+                    <a:ext uri="{9D8B030D-6E8A-4147-A177-3AD203B41FA5}">
+                      <a16:colId xmlns:a16="http://schemas.microsoft.com/office/drawing/2014/main" val="1245985164"/>
+                    </a:ext>
+                  </a:extLst>
+                </a:gridCol>
+                <a:gridCol w="208280">
+                  <a:extLst>
+                    <a:ext uri="{9D8B030D-6E8A-4147-A177-3AD203B41FA5}">
+                      <a16:colId xmlns:a16="http://schemas.microsoft.com/office/drawing/2014/main" val="2002453248"/>
+                    </a:ext>
+                  </a:extLst>
+                </a:gridCol>
+              </a:tblGrid>
+              <a:tr h="502848">
+                <a:tc gridSpan="3">
+                  <a:txBody>
+                    <a:bodyPr/>
+                    <a:lstStyle/>
+                    <a:p>
+                      <a:pPr marL="0" marR="0" lvl="0" indent="0" algn="l" defTabSz="914400" rtl="0" eaLnBrk="1" fontAlgn="auto" latinLnBrk="0" hangingPunct="1">
+                        <a:lnSpc>
+                          <a:spcPct val="100000"/>
+                        </a:lnSpc>
+                        <a:spcBef>
+                          <a:spcPts val="0"/>
+                        </a:spcBef>
+                        <a:spcAft>
+                          <a:spcPts val="0"/>
+                        </a:spcAft>
+                        <a:buClrTx/>
+                        <a:buSzTx/>
+                        <a:buFontTx/>
+                        <a:buNone/>
+                        <a:tabLst/>
+                        <a:defRPr/>
+                      </a:pPr>
+                      <a:r>
+                        <a:rPr kumimoji="0" lang="en-US" sz="2400" b="1" i="0" u="none" strike="noStrike" kern="1200" cap="none" spc="0" normalizeH="0" baseline="0" noProof="0" dirty="0" smtClean="0">
+                          <a:ln>
+                            <a:noFill/>
+                          </a:ln>
+                          <a:solidFill>
+                            <a:prstClr val="black"/>
+                          </a:solidFill>
+                          <a:effectLst/>
+                          <a:uLnTx/>
+                          <a:uFillTx/>
+                          <a:latin typeface="+mn-lt"/>
+                          <a:ea typeface="+mn-ea"/>
+                          <a:cs typeface="+mn-cs"/>
+                        </a:rPr>
+                        <a:t>#Setting out the various per unit costs</a:t>
+                      </a:r>
+                    </a:p>
+                  </a:txBody>
+                  <a:tcPr/>
+                </a:tc>
+                <a:tc hMerge="1">
+                  <a:txBody>
+                    <a:bodyPr/>
+                    <a:lstStyle/>
+                    <a:p>
+                      <a:endParaRPr lang="en-US" dirty="0"/>
+                    </a:p>
+                  </a:txBody>
+                  <a:tcPr/>
+                </a:tc>
+                <a:tc hMerge="1">
+                  <a:txBody>
+                    <a:bodyPr/>
+                    <a:lstStyle/>
+                    <a:p>
+                      <a:endParaRPr lang="en-US" dirty="0"/>
+                    </a:p>
+                  </a:txBody>
+                  <a:tcPr/>
+                </a:tc>
+                <a:extLst>
+                  <a:ext uri="{0D108BD9-81ED-4DB2-BD59-A6C34878D82A}">
+                    <a16:rowId xmlns:a16="http://schemas.microsoft.com/office/drawing/2014/main" val="2873234731"/>
+                  </a:ext>
+                </a:extLst>
+              </a:tr>
+              <a:tr h="487018">
+                <a:tc>
+                  <a:txBody>
+                    <a:bodyPr/>
+                    <a:lstStyle/>
+                    <a:p>
+                      <a:pPr marL="0" marR="0" lvl="0" indent="0" algn="l" defTabSz="914400" rtl="0" eaLnBrk="1" fontAlgn="auto" latinLnBrk="0" hangingPunct="1">
+                        <a:lnSpc>
+                          <a:spcPct val="100000"/>
+                        </a:lnSpc>
+                        <a:spcBef>
+                          <a:spcPts val="0"/>
+                        </a:spcBef>
+                        <a:spcAft>
+                          <a:spcPts val="0"/>
+                        </a:spcAft>
+                        <a:buClrTx/>
+                        <a:buSzTx/>
+                        <a:buFontTx/>
+                        <a:buNone/>
+                        <a:tabLst/>
+                        <a:defRPr/>
+                      </a:pPr>
+                      <a:r>
+                        <a:rPr kumimoji="0" lang="en-US" sz="1600" b="0" i="0" u="none" strike="noStrike" kern="1200" cap="none" spc="0" normalizeH="0" baseline="0" noProof="0" dirty="0" smtClean="0">
+                          <a:ln>
+                            <a:noFill/>
+                          </a:ln>
+                          <a:solidFill>
+                            <a:prstClr val="black"/>
+                          </a:solidFill>
+                          <a:effectLst/>
+                          <a:uLnTx/>
+                          <a:uFillTx/>
+                          <a:latin typeface="Century Gothic" panose="020B0502020202020204" pitchFamily="34" charset="0"/>
+                          <a:ea typeface="+mn-ea"/>
+                          <a:cs typeface="+mn-cs"/>
+                        </a:rPr>
+                        <a:t>'</a:t>
+                      </a:r>
+                      <a:r>
+                        <a:rPr kumimoji="0" lang="en-US" sz="1600" b="0" i="0" u="none" strike="noStrike" kern="1200" cap="none" spc="0" normalizeH="0" baseline="0" noProof="0" dirty="0" err="1" smtClean="0">
+                          <a:ln>
+                            <a:noFill/>
+                          </a:ln>
+                          <a:solidFill>
+                            <a:prstClr val="black"/>
+                          </a:solidFill>
+                          <a:effectLst/>
+                          <a:uLnTx/>
+                          <a:uFillTx/>
+                          <a:latin typeface="Century Gothic" panose="020B0502020202020204" pitchFamily="34" charset="0"/>
+                          <a:ea typeface="+mn-ea"/>
+                          <a:cs typeface="+mn-cs"/>
+                        </a:rPr>
+                        <a:t>Total_hours</a:t>
+                      </a:r>
+                      <a:endParaRPr kumimoji="0" lang="en-US" sz="1600" b="0" i="0" u="none" strike="noStrike" kern="1200" cap="none" spc="0" normalizeH="0" baseline="0" noProof="0" dirty="0" smtClean="0">
+                        <a:ln>
+                          <a:noFill/>
+                        </a:ln>
+                        <a:solidFill>
+                          <a:prstClr val="black"/>
+                        </a:solidFill>
+                        <a:effectLst/>
+                        <a:uLnTx/>
+                        <a:uFillTx/>
+                        <a:latin typeface="Century Gothic" panose="020B0502020202020204" pitchFamily="34" charset="0"/>
+                        <a:ea typeface="+mn-ea"/>
+                        <a:cs typeface="+mn-cs"/>
+                      </a:endParaRPr>
+                    </a:p>
+                  </a:txBody>
+                  <a:tcPr/>
+                </a:tc>
+                <a:tc>
+                  <a:txBody>
+                    <a:bodyPr/>
+                    <a:lstStyle/>
+                    <a:p>
+                      <a:r>
+                        <a:rPr kumimoji="0" lang="en-US" sz="1600" b="0" i="0" u="none" strike="noStrike" kern="1200" cap="none" spc="0" normalizeH="0" baseline="0" noProof="0" dirty="0" smtClean="0">
+                          <a:ln>
+                            <a:noFill/>
+                          </a:ln>
+                          <a:solidFill>
+                            <a:prstClr val="black"/>
+                          </a:solidFill>
+                          <a:effectLst/>
+                          <a:uLnTx/>
+                          <a:uFillTx/>
+                          <a:latin typeface="Century Gothic" panose="020B0502020202020204" pitchFamily="34" charset="0"/>
+                          <a:ea typeface="+mn-ea"/>
+                          <a:cs typeface="+mn-cs"/>
+                        </a:rPr>
+                        <a:t>34hrs 0min'</a:t>
+                      </a:r>
+                      <a:endParaRPr lang="en-US" sz="1600" dirty="0">
+                        <a:latin typeface="Century Gothic" panose="020B0502020202020204" pitchFamily="34" charset="0"/>
+                      </a:endParaRPr>
+                    </a:p>
+                  </a:txBody>
+                  <a:tcPr/>
+                </a:tc>
+                <a:tc>
+                  <a:txBody>
+                    <a:bodyPr/>
+                    <a:lstStyle/>
+                    <a:p>
+                      <a:endParaRPr lang="en-US"/>
+                    </a:p>
+                  </a:txBody>
+                  <a:tcPr/>
+                </a:tc>
+                <a:extLst>
+                  <a:ext uri="{0D108BD9-81ED-4DB2-BD59-A6C34878D82A}">
+                    <a16:rowId xmlns:a16="http://schemas.microsoft.com/office/drawing/2014/main" val="1099934546"/>
+                  </a:ext>
+                </a:extLst>
+              </a:tr>
+              <a:tr h="420896">
+                <a:tc>
+                  <a:txBody>
+                    <a:bodyPr/>
+                    <a:lstStyle/>
+                    <a:p>
+                      <a:r>
+                        <a:rPr kumimoji="0" lang="en-US" sz="1600" b="0" i="0" u="none" strike="noStrike" kern="1200" cap="none" spc="0" normalizeH="0" baseline="0" noProof="0" dirty="0" smtClean="0">
+                          <a:ln>
+                            <a:noFill/>
+                          </a:ln>
+                          <a:solidFill>
+                            <a:prstClr val="black"/>
+                          </a:solidFill>
+                          <a:effectLst/>
+                          <a:uLnTx/>
+                          <a:uFillTx/>
+                          <a:latin typeface="Century Gothic" panose="020B0502020202020204" pitchFamily="34" charset="0"/>
+                          <a:ea typeface="+mn-ea"/>
+                          <a:cs typeface="+mn-cs"/>
+                        </a:rPr>
+                        <a:t>'</a:t>
+                      </a:r>
+                      <a:r>
+                        <a:rPr kumimoji="0" lang="en-US" sz="1600" b="0" i="0" u="none" strike="noStrike" kern="1200" cap="none" spc="0" normalizeH="0" baseline="0" noProof="0" dirty="0" err="1" smtClean="0">
+                          <a:ln>
+                            <a:noFill/>
+                          </a:ln>
+                          <a:solidFill>
+                            <a:prstClr val="black"/>
+                          </a:solidFill>
+                          <a:effectLst/>
+                          <a:uLnTx/>
+                          <a:uFillTx/>
+                          <a:latin typeface="Century Gothic" panose="020B0502020202020204" pitchFamily="34" charset="0"/>
+                          <a:ea typeface="+mn-ea"/>
+                          <a:cs typeface="+mn-cs"/>
+                        </a:rPr>
+                        <a:t>Total_distance</a:t>
+                      </a:r>
+                      <a:endParaRPr lang="en-US" sz="1600" dirty="0">
+                        <a:latin typeface="Century Gothic" panose="020B0502020202020204" pitchFamily="34" charset="0"/>
+                      </a:endParaRPr>
+                    </a:p>
+                  </a:txBody>
+                  <a:tcPr/>
+                </a:tc>
+                <a:tc>
+                  <a:txBody>
+                    <a:bodyPr/>
+                    <a:lstStyle/>
+                    <a:p>
+                      <a:r>
+                        <a:rPr kumimoji="0" lang="en-US" sz="1600" b="0" i="0" u="none" strike="noStrike" kern="1200" cap="none" spc="0" normalizeH="0" baseline="0" noProof="0" dirty="0" smtClean="0">
+                          <a:ln>
+                            <a:noFill/>
+                          </a:ln>
+                          <a:solidFill>
+                            <a:prstClr val="black"/>
+                          </a:solidFill>
+                          <a:effectLst/>
+                          <a:uLnTx/>
+                          <a:uFillTx/>
+                          <a:latin typeface="Century Gothic" panose="020B0502020202020204" pitchFamily="34" charset="0"/>
+                          <a:ea typeface="+mn-ea"/>
+                          <a:cs typeface="+mn-cs"/>
+                        </a:rPr>
+                        <a:t>2062kms'</a:t>
+                      </a:r>
+                      <a:endParaRPr lang="en-US" sz="1600" dirty="0">
+                        <a:latin typeface="Century Gothic" panose="020B0502020202020204" pitchFamily="34" charset="0"/>
+                      </a:endParaRPr>
+                    </a:p>
+                  </a:txBody>
+                  <a:tcPr/>
+                </a:tc>
+                <a:tc>
+                  <a:txBody>
+                    <a:bodyPr/>
+                    <a:lstStyle/>
+                    <a:p>
+                      <a:endParaRPr lang="en-US"/>
+                    </a:p>
+                  </a:txBody>
+                  <a:tcPr/>
+                </a:tc>
+                <a:extLst>
+                  <a:ext uri="{0D108BD9-81ED-4DB2-BD59-A6C34878D82A}">
+                    <a16:rowId xmlns:a16="http://schemas.microsoft.com/office/drawing/2014/main" val="1777615761"/>
+                  </a:ext>
+                </a:extLst>
+              </a:tr>
+              <a:tr h="639788">
+                <a:tc>
+                  <a:txBody>
+                    <a:bodyPr/>
+                    <a:lstStyle/>
+                    <a:p>
+                      <a:r>
+                        <a:rPr kumimoji="0" lang="en-US" sz="1600" b="0" i="0" u="none" strike="noStrike" kern="1200" cap="none" spc="0" normalizeH="0" baseline="0" noProof="0" dirty="0" smtClean="0">
+                          <a:ln>
+                            <a:noFill/>
+                          </a:ln>
+                          <a:solidFill>
+                            <a:prstClr val="black"/>
+                          </a:solidFill>
+                          <a:effectLst/>
+                          <a:uLnTx/>
+                          <a:uFillTx/>
+                          <a:latin typeface="Century Gothic" panose="020B0502020202020204" pitchFamily="34" charset="0"/>
+                          <a:ea typeface="+mn-ea"/>
+                          <a:cs typeface="+mn-cs"/>
+                        </a:rPr>
+                        <a:t>'Absolute Rules:15 min break after every 2 hours, driving is between 5am and 10pm </a:t>
+                      </a:r>
+                      <a:endParaRPr lang="en-US" sz="1600" dirty="0">
+                        <a:latin typeface="Century Gothic" panose="020B0502020202020204" pitchFamily="34" charset="0"/>
+                      </a:endParaRPr>
+                    </a:p>
+                  </a:txBody>
+                  <a:tcPr/>
+                </a:tc>
+                <a:tc>
+                  <a:txBody>
+                    <a:bodyPr/>
+                    <a:lstStyle/>
+                    <a:p>
+                      <a:r>
+                        <a:rPr lang="en-US" sz="1600" dirty="0" smtClean="0">
+                          <a:latin typeface="Century Gothic" panose="020B0502020202020204" pitchFamily="34" charset="0"/>
+                        </a:rPr>
+                        <a:t>17 hours per day 2 hours of rest</a:t>
+                      </a:r>
+                      <a:endParaRPr lang="en-US" sz="1600" dirty="0">
+                        <a:latin typeface="Century Gothic" panose="020B0502020202020204" pitchFamily="34" charset="0"/>
+                      </a:endParaRPr>
+                    </a:p>
+                  </a:txBody>
+                  <a:tcPr/>
+                </a:tc>
+                <a:tc>
+                  <a:txBody>
+                    <a:bodyPr/>
+                    <a:lstStyle/>
+                    <a:p>
+                      <a:endParaRPr lang="en-US"/>
+                    </a:p>
+                  </a:txBody>
+                  <a:tcPr/>
+                </a:tc>
+                <a:extLst>
+                  <a:ext uri="{0D108BD9-81ED-4DB2-BD59-A6C34878D82A}">
+                    <a16:rowId xmlns:a16="http://schemas.microsoft.com/office/drawing/2014/main" val="4090622803"/>
+                  </a:ext>
+                </a:extLst>
+              </a:tr>
+              <a:tr h="639788">
+                <a:tc>
+                  <a:txBody>
+                    <a:bodyPr/>
+                    <a:lstStyle/>
+                    <a:p>
+                      <a:pPr marL="0" marR="0" lvl="0" indent="0" algn="l" defTabSz="914400" rtl="0" eaLnBrk="1" fontAlgn="auto" latinLnBrk="0" hangingPunct="1">
+                        <a:lnSpc>
+                          <a:spcPct val="100000"/>
+                        </a:lnSpc>
+                        <a:spcBef>
+                          <a:spcPts val="0"/>
+                        </a:spcBef>
+                        <a:spcAft>
+                          <a:spcPts val="0"/>
+                        </a:spcAft>
+                        <a:buClrTx/>
+                        <a:buSzTx/>
+                        <a:buFontTx/>
+                        <a:buNone/>
+                        <a:tabLst/>
+                        <a:defRPr/>
+                      </a:pPr>
+                      <a:r>
+                        <a:rPr kumimoji="0" lang="en-US" sz="1600" b="0" i="0" u="none" strike="noStrike" kern="1200" cap="none" spc="0" normalizeH="0" baseline="0" noProof="0" dirty="0" smtClean="0">
+                          <a:ln>
+                            <a:noFill/>
+                          </a:ln>
+                          <a:solidFill>
+                            <a:prstClr val="black"/>
+                          </a:solidFill>
+                          <a:effectLst/>
+                          <a:uLnTx/>
+                          <a:uFillTx/>
+                          <a:latin typeface="Century Gothic" panose="020B0502020202020204" pitchFamily="34" charset="0"/>
+                          <a:ea typeface="+mn-ea"/>
+                          <a:cs typeface="+mn-cs"/>
+                        </a:rPr>
+                        <a:t>34 hours to cover in 15 hours per day</a:t>
+                      </a:r>
+                      <a:endParaRPr lang="en-US" sz="1600" dirty="0">
+                        <a:latin typeface="Century Gothic" panose="020B0502020202020204" pitchFamily="34" charset="0"/>
+                      </a:endParaRPr>
+                    </a:p>
+                  </a:txBody>
+                  <a:tcPr/>
+                </a:tc>
+                <a:tc>
+                  <a:txBody>
+                    <a:bodyPr/>
+                    <a:lstStyle/>
+                    <a:p>
+                      <a:r>
+                        <a:rPr lang="en-US" sz="1600" dirty="0" smtClean="0">
+                          <a:latin typeface="Century Gothic" panose="020B0502020202020204" pitchFamily="34" charset="0"/>
+                        </a:rPr>
+                        <a:t>2.26 days approximately 3 days</a:t>
+                      </a:r>
+                    </a:p>
+                    <a:p>
+                      <a:endParaRPr lang="en-US" sz="1600" dirty="0">
+                        <a:latin typeface="Century Gothic" panose="020B0502020202020204" pitchFamily="34" charset="0"/>
+                      </a:endParaRPr>
+                    </a:p>
+                  </a:txBody>
+                  <a:tcPr/>
+                </a:tc>
+                <a:tc>
+                  <a:txBody>
+                    <a:bodyPr/>
+                    <a:lstStyle/>
+                    <a:p>
+                      <a:endParaRPr lang="en-US" dirty="0"/>
+                    </a:p>
+                  </a:txBody>
+                  <a:tcPr/>
+                </a:tc>
+                <a:extLst>
+                  <a:ext uri="{0D108BD9-81ED-4DB2-BD59-A6C34878D82A}">
+                    <a16:rowId xmlns:a16="http://schemas.microsoft.com/office/drawing/2014/main" val="869024598"/>
+                  </a:ext>
+                </a:extLst>
+              </a:tr>
+            </a:tbl>
+          </a:graphicData>
+        </a:graphic>
+      </p:graphicFrame>
+      <p:graphicFrame>
+        <p:nvGraphicFramePr>
+          <p:cNvPr id="4" name="Table 3"/>
+          <p:cNvGraphicFramePr>
+            <a:graphicFrameLocks noGrp="1"/>
+          </p:cNvGraphicFramePr>
+          <p:nvPr>
+            <p:extLst>
+              <p:ext uri="{D42A27DB-BD31-4B8C-83A1-F6EECF244321}">
+                <p14:modId xmlns:p14="http://schemas.microsoft.com/office/powerpoint/2010/main" val="2404989656"/>
+              </p:ext>
+            </p:extLst>
+          </p:nvPr>
+        </p:nvGraphicFramePr>
+        <p:xfrm>
+          <a:off x="372166" y="3413168"/>
+          <a:ext cx="11415644" cy="2696137"/>
+        </p:xfrm>
+        <a:graphic>
+          <a:graphicData uri="http://schemas.openxmlformats.org/drawingml/2006/table">
+            <a:tbl>
+              <a:tblPr firstRow="1" bandRow="1">
+                <a:tableStyleId>{5C22544A-7EE6-4342-B048-85BDC9FD1C3A}</a:tableStyleId>
+              </a:tblPr>
+              <a:tblGrid>
+                <a:gridCol w="6893338">
+                  <a:extLst>
+                    <a:ext uri="{9D8B030D-6E8A-4147-A177-3AD203B41FA5}">
+                      <a16:colId xmlns:a16="http://schemas.microsoft.com/office/drawing/2014/main" val="3524755052"/>
+                    </a:ext>
+                  </a:extLst>
+                </a:gridCol>
+                <a:gridCol w="4522306">
+                  <a:extLst>
+                    <a:ext uri="{9D8B030D-6E8A-4147-A177-3AD203B41FA5}">
+                      <a16:colId xmlns:a16="http://schemas.microsoft.com/office/drawing/2014/main" val="1683707254"/>
+                    </a:ext>
+                  </a:extLst>
+                </a:gridCol>
+              </a:tblGrid>
+              <a:tr h="471097">
+                <a:tc>
+                  <a:txBody>
+                    <a:bodyPr/>
+                    <a:lstStyle/>
+                    <a:p>
+                      <a:endParaRPr lang="en-US" sz="1600" dirty="0">
+                        <a:latin typeface="Century Gothic" panose="020B0502020202020204" pitchFamily="34" charset="0"/>
+                      </a:endParaRPr>
+                    </a:p>
+                  </a:txBody>
+                  <a:tcPr/>
+                </a:tc>
+                <a:tc>
+                  <a:txBody>
+                    <a:bodyPr/>
+                    <a:lstStyle/>
+                    <a:p>
+                      <a:endParaRPr lang="en-US" sz="1600">
+                        <a:latin typeface="Century Gothic" panose="020B0502020202020204" pitchFamily="34" charset="0"/>
+                      </a:endParaRPr>
+                    </a:p>
+                  </a:txBody>
+                  <a:tcPr/>
+                </a:tc>
+                <a:extLst>
+                  <a:ext uri="{0D108BD9-81ED-4DB2-BD59-A6C34878D82A}">
+                    <a16:rowId xmlns:a16="http://schemas.microsoft.com/office/drawing/2014/main" val="3220412022"/>
+                  </a:ext>
+                </a:extLst>
+              </a:tr>
+              <a:tr h="471097">
+                <a:tc>
+                  <a:txBody>
+                    <a:bodyPr/>
+                    <a:lstStyle/>
+                    <a:p>
+                      <a:pPr marL="0" marR="0" lvl="0" indent="0" algn="l" defTabSz="914400" rtl="0" eaLnBrk="1" fontAlgn="auto" latinLnBrk="0" hangingPunct="1">
+                        <a:lnSpc>
+                          <a:spcPct val="100000"/>
+                        </a:lnSpc>
+                        <a:spcBef>
+                          <a:spcPts val="0"/>
+                        </a:spcBef>
+                        <a:spcAft>
+                          <a:spcPts val="0"/>
+                        </a:spcAft>
+                        <a:buClrTx/>
+                        <a:buSzTx/>
+                        <a:buFontTx/>
+                        <a:buNone/>
+                        <a:tabLst/>
+                        <a:defRPr/>
+                      </a:pPr>
+                      <a:r>
+                        <a:rPr kumimoji="0" lang="en-US" sz="1600" b="0" i="0" u="none" strike="noStrike" kern="1200" cap="none" spc="0" normalizeH="0" baseline="0" noProof="0" dirty="0" smtClean="0">
+                          <a:ln>
+                            <a:noFill/>
+                          </a:ln>
+                          <a:solidFill>
+                            <a:prstClr val="black"/>
+                          </a:solidFill>
+                          <a:effectLst/>
+                          <a:uLnTx/>
+                          <a:uFillTx/>
+                          <a:latin typeface="Century Gothic" panose="020B0502020202020204" pitchFamily="34" charset="0"/>
+                          <a:ea typeface="+mn-ea"/>
+                          <a:cs typeface="+mn-cs"/>
+                        </a:rPr>
+                        <a:t>'Mileage allowance (Ksh.30 / km) by </a:t>
+                      </a:r>
+                      <a:r>
+                        <a:rPr kumimoji="0" lang="en-US" sz="1600" b="0" i="0" u="none" strike="noStrike" kern="1200" cap="none" spc="0" normalizeH="0" baseline="0" noProof="0" dirty="0" smtClean="0">
+                          <a:ln>
+                            <a:noFill/>
+                          </a:ln>
+                          <a:solidFill>
+                            <a:srgbClr val="000000"/>
+                          </a:solidFill>
+                          <a:effectLst/>
+                          <a:uLnTx/>
+                          <a:uFillTx/>
+                          <a:latin typeface="Century Gothic" panose="020B0502020202020204" pitchFamily="34" charset="0"/>
+                          <a:ea typeface="+mn-ea"/>
+                          <a:cs typeface="+mn-cs"/>
+                        </a:rPr>
+                        <a:t>Total distance</a:t>
+                      </a:r>
+                      <a:r>
+                        <a:rPr kumimoji="0" lang="en-US" sz="1600" b="0" i="0" u="none" strike="noStrike" kern="1200" cap="none" spc="0" normalizeH="0" baseline="0" noProof="0" dirty="0" smtClean="0">
+                          <a:ln>
+                            <a:noFill/>
+                          </a:ln>
+                          <a:solidFill>
+                            <a:prstClr val="black"/>
+                          </a:solidFill>
+                          <a:effectLst/>
+                          <a:uLnTx/>
+                          <a:uFillTx/>
+                          <a:latin typeface="Century Gothic" panose="020B0502020202020204" pitchFamily="34" charset="0"/>
+                          <a:ea typeface="+mn-ea"/>
+                          <a:cs typeface="+mn-cs"/>
+                        </a:rPr>
+                        <a:t> 'Total per diem rate of 8,000/ = per night for 3 days/2 nights</a:t>
+                      </a:r>
+                      <a:endParaRPr lang="en-US" sz="1600" dirty="0">
+                        <a:latin typeface="Century Gothic" panose="020B0502020202020204" pitchFamily="34" charset="0"/>
+                      </a:endParaRPr>
+                    </a:p>
+                  </a:txBody>
+                  <a:tcPr/>
+                </a:tc>
+                <a:tc>
+                  <a:txBody>
+                    <a:bodyPr/>
+                    <a:lstStyle/>
+                    <a:p>
+                      <a:r>
+                        <a:rPr lang="en-US" sz="1600" dirty="0" smtClean="0">
+                          <a:latin typeface="Century Gothic" panose="020B0502020202020204" pitchFamily="34" charset="0"/>
+                        </a:rPr>
+                        <a:t>2062kms= Ksh.61,860',</a:t>
+                      </a:r>
+                    </a:p>
+                    <a:p>
+                      <a:pPr marL="0" marR="0" lvl="0" indent="0" algn="l" defTabSz="914400" rtl="0" eaLnBrk="1" fontAlgn="auto" latinLnBrk="0" hangingPunct="1">
+                        <a:lnSpc>
+                          <a:spcPct val="100000"/>
+                        </a:lnSpc>
+                        <a:spcBef>
+                          <a:spcPts val="0"/>
+                        </a:spcBef>
+                        <a:spcAft>
+                          <a:spcPts val="0"/>
+                        </a:spcAft>
+                        <a:buClrTx/>
+                        <a:buSzTx/>
+                        <a:buFontTx/>
+                        <a:buNone/>
+                        <a:tabLst/>
+                        <a:defRPr/>
+                      </a:pPr>
+                      <a:r>
+                        <a:rPr kumimoji="0" lang="en-US" sz="1600" b="0" i="0" u="none" strike="noStrike" kern="1200" cap="none" spc="0" normalizeH="0" baseline="0" noProof="0" dirty="0" smtClean="0">
+                          <a:ln>
+                            <a:noFill/>
+                          </a:ln>
+                          <a:solidFill>
+                            <a:prstClr val="black"/>
+                          </a:solidFill>
+                          <a:effectLst/>
+                          <a:uLnTx/>
+                          <a:uFillTx/>
+                          <a:latin typeface="Century Gothic" panose="020B0502020202020204" pitchFamily="34" charset="0"/>
+                          <a:ea typeface="+mn-ea"/>
+                          <a:cs typeface="+mn-cs"/>
+                        </a:rPr>
+                        <a:t>Ksh.16,000',</a:t>
+                      </a:r>
+                    </a:p>
+                    <a:p>
+                      <a:endParaRPr lang="en-US" sz="1600" dirty="0">
+                        <a:latin typeface="Century Gothic" panose="020B0502020202020204" pitchFamily="34" charset="0"/>
+                      </a:endParaRPr>
+                    </a:p>
+                  </a:txBody>
+                  <a:tcPr/>
+                </a:tc>
+                <a:extLst>
+                  <a:ext uri="{0D108BD9-81ED-4DB2-BD59-A6C34878D82A}">
+                    <a16:rowId xmlns:a16="http://schemas.microsoft.com/office/drawing/2014/main" val="2769524120"/>
+                  </a:ext>
+                </a:extLst>
+              </a:tr>
+              <a:tr h="471097">
+                <a:tc>
+                  <a:txBody>
+                    <a:bodyPr/>
+                    <a:lstStyle/>
+                    <a:p>
+                      <a:pPr marL="0" marR="0" lvl="0" indent="0" algn="l" defTabSz="914400" rtl="0" eaLnBrk="1" fontAlgn="auto" latinLnBrk="0" hangingPunct="1">
+                        <a:lnSpc>
+                          <a:spcPct val="100000"/>
+                        </a:lnSpc>
+                        <a:spcBef>
+                          <a:spcPts val="0"/>
+                        </a:spcBef>
+                        <a:spcAft>
+                          <a:spcPts val="0"/>
+                        </a:spcAft>
+                        <a:buClrTx/>
+                        <a:buSzTx/>
+                        <a:buFontTx/>
+                        <a:buNone/>
+                        <a:tabLst/>
+                        <a:defRPr/>
+                      </a:pPr>
+                      <a:r>
+                        <a:rPr kumimoji="0" lang="en-US" sz="1600" b="0" i="0" u="none" strike="noStrike" kern="1200" cap="none" spc="0" normalizeH="0" baseline="0" noProof="0" dirty="0" smtClean="0">
+                          <a:ln>
+                            <a:noFill/>
+                          </a:ln>
+                          <a:solidFill>
+                            <a:prstClr val="black"/>
+                          </a:solidFill>
+                          <a:effectLst/>
+                          <a:uLnTx/>
+                          <a:uFillTx/>
+                          <a:latin typeface="Century Gothic" panose="020B0502020202020204" pitchFamily="34" charset="0"/>
+                          <a:ea typeface="+mn-ea"/>
+                          <a:cs typeface="+mn-cs"/>
+                        </a:rPr>
+                        <a:t>'Accommodation of 7,000/ = per night for 3 days/2 nights =</a:t>
+                      </a:r>
+                      <a:endParaRPr lang="en-US" sz="1600" dirty="0">
+                        <a:latin typeface="Century Gothic" panose="020B0502020202020204" pitchFamily="34" charset="0"/>
+                      </a:endParaRPr>
+                    </a:p>
+                  </a:txBody>
+                  <a:tcPr/>
+                </a:tc>
+                <a:tc>
+                  <a:txBody>
+                    <a:bodyPr/>
+                    <a:lstStyle/>
+                    <a:p>
+                      <a:r>
+                        <a:rPr lang="en-US" sz="1600" dirty="0" smtClean="0">
+                          <a:latin typeface="Century Gothic" panose="020B0502020202020204" pitchFamily="34" charset="0"/>
+                        </a:rPr>
+                        <a:t> Ksh.14,000',</a:t>
+                      </a:r>
+                    </a:p>
+                    <a:p>
+                      <a:endParaRPr lang="en-US" sz="1600" dirty="0">
+                        <a:latin typeface="Century Gothic" panose="020B0502020202020204" pitchFamily="34" charset="0"/>
+                      </a:endParaRPr>
+                    </a:p>
+                  </a:txBody>
+                  <a:tcPr/>
+                </a:tc>
+                <a:extLst>
+                  <a:ext uri="{0D108BD9-81ED-4DB2-BD59-A6C34878D82A}">
+                    <a16:rowId xmlns:a16="http://schemas.microsoft.com/office/drawing/2014/main" val="2807136552"/>
+                  </a:ext>
+                </a:extLst>
+              </a:tr>
+              <a:tr h="471097">
+                <a:tc>
+                  <a:txBody>
+                    <a:bodyPr/>
+                    <a:lstStyle/>
+                    <a:p>
+                      <a:pPr marL="0" marR="0" lvl="0" indent="0" algn="l" defTabSz="914400" rtl="0" eaLnBrk="1" fontAlgn="auto" latinLnBrk="0" hangingPunct="1">
+                        <a:lnSpc>
+                          <a:spcPct val="100000"/>
+                        </a:lnSpc>
+                        <a:spcBef>
+                          <a:spcPts val="0"/>
+                        </a:spcBef>
+                        <a:spcAft>
+                          <a:spcPts val="0"/>
+                        </a:spcAft>
+                        <a:buClrTx/>
+                        <a:buSzTx/>
+                        <a:buFontTx/>
+                        <a:buNone/>
+                        <a:tabLst/>
+                        <a:defRPr/>
+                      </a:pPr>
+                      <a:endParaRPr kumimoji="0" lang="en-US" sz="1600" b="0" i="0" u="none" strike="noStrike" kern="1200" cap="none" spc="0" normalizeH="0" baseline="0" noProof="0" dirty="0" smtClean="0">
+                        <a:ln>
+                          <a:noFill/>
+                        </a:ln>
+                        <a:solidFill>
+                          <a:prstClr val="black"/>
+                        </a:solidFill>
+                        <a:effectLst/>
+                        <a:uLnTx/>
+                        <a:uFillTx/>
+                        <a:latin typeface="Century Gothic" panose="020B0502020202020204" pitchFamily="34" charset="0"/>
+                        <a:ea typeface="+mn-ea"/>
+                        <a:cs typeface="+mn-cs"/>
+                      </a:endParaRPr>
+                    </a:p>
+                    <a:p>
+                      <a:pPr marL="0" marR="0" lvl="0" indent="0" algn="l" defTabSz="914400" rtl="0" eaLnBrk="1" fontAlgn="auto" latinLnBrk="0" hangingPunct="1">
+                        <a:lnSpc>
+                          <a:spcPct val="100000"/>
+                        </a:lnSpc>
+                        <a:spcBef>
+                          <a:spcPts val="0"/>
+                        </a:spcBef>
+                        <a:spcAft>
+                          <a:spcPts val="0"/>
+                        </a:spcAft>
+                        <a:buClrTx/>
+                        <a:buSzTx/>
+                        <a:buFontTx/>
+                        <a:buNone/>
+                        <a:tabLst/>
+                        <a:defRPr/>
+                      </a:pPr>
+                      <a:r>
+                        <a:rPr kumimoji="0" lang="en-US" sz="1600" b="0" i="0" u="none" strike="noStrike" kern="1200" cap="none" spc="0" normalizeH="0" baseline="0" noProof="0" dirty="0" smtClean="0">
+                          <a:ln>
+                            <a:noFill/>
+                          </a:ln>
+                          <a:solidFill>
+                            <a:prstClr val="black"/>
+                          </a:solidFill>
+                          <a:effectLst/>
+                          <a:uLnTx/>
+                          <a:uFillTx/>
+                          <a:latin typeface="Century Gothic" panose="020B0502020202020204" pitchFamily="34" charset="0"/>
+                          <a:ea typeface="+mn-ea"/>
+                          <a:cs typeface="+mn-cs"/>
+                        </a:rPr>
+                        <a:t>'Total Fuel consumption Total distance = 2062kms*(0.1Litres/km)=206.2Litres (fuel is Ksh.98/ l)</a:t>
+                      </a:r>
+                      <a:endParaRPr lang="en-US" sz="1600" dirty="0">
+                        <a:latin typeface="Century Gothic" panose="020B0502020202020204" pitchFamily="34" charset="0"/>
+                      </a:endParaRPr>
+                    </a:p>
+                  </a:txBody>
+                  <a:tcPr/>
+                </a:tc>
+                <a:tc>
+                  <a:txBody>
+                    <a:bodyPr/>
+                    <a:lstStyle/>
+                    <a:p>
+                      <a:r>
+                        <a:rPr lang="en-US" sz="1600" dirty="0" smtClean="0">
+                          <a:latin typeface="Century Gothic" panose="020B0502020202020204" pitchFamily="34" charset="0"/>
+                        </a:rPr>
+                        <a:t>Ksh.20207.60</a:t>
+                      </a:r>
+                      <a:endParaRPr lang="en-US" sz="1600" dirty="0">
+                        <a:latin typeface="Century Gothic" panose="020B0502020202020204" pitchFamily="34" charset="0"/>
+                      </a:endParaRPr>
+                    </a:p>
+                  </a:txBody>
+                  <a:tcPr/>
+                </a:tc>
+                <a:extLst>
+                  <a:ext uri="{0D108BD9-81ED-4DB2-BD59-A6C34878D82A}">
+                    <a16:rowId xmlns:a16="http://schemas.microsoft.com/office/drawing/2014/main" val="382087203"/>
+                  </a:ext>
+                </a:extLst>
+              </a:tr>
+            </a:tbl>
+          </a:graphicData>
+        </a:graphic>
+      </p:graphicFrame>
+    </p:spTree>
+    <p:extLst>
+      <p:ext uri="{BB962C8B-B14F-4D97-AF65-F5344CB8AC3E}">
+        <p14:creationId xmlns:p14="http://schemas.microsoft.com/office/powerpoint/2010/main" val="4286687609"/>
+      </p:ext>
+    </p:extLst>
+  </p:cSld>
+  <p:clrMapOvr>
+    <a:masterClrMapping/>
+  </p:clrMapOvr>
+  <p:timing>
+    <p:tnLst>
+      <p:par>
+        <p:cTn id="1" dur="indefinite" restart="never" nodeType="tmRoot"/>
+      </p:par>
+    </p:tnLst>
+  </p:timing>
+</p:sld>
+</file>
+
+<file path=ppt/slides/slide13.xml><?xml version="1.0" encoding="utf-8"?>
 <p:sld xmlns:a="http://schemas.openxmlformats.org/drawingml/2006/main" xmlns:r="http://schemas.openxmlformats.org/officeDocument/2006/relationships" xmlns:p="http://schemas.openxmlformats.org/presentationml/2006/main">
   <p:cSld>
     <p:spTree>
@@ -3674,96 +4718,13 @@
   <p:clrMapOvr>
     <a:masterClrMapping/>
   </p:clrMapOvr>
-</p:sld>
-</file>
-
-<file path=ppt/slides/slide11.xml><?xml version="1.0" encoding="utf-8"?>
-<p:sld xmlns:a="http://schemas.openxmlformats.org/drawingml/2006/main" xmlns:r="http://schemas.openxmlformats.org/officeDocument/2006/relationships" xmlns:p="http://schemas.openxmlformats.org/presentationml/2006/main">
-  <p:cSld>
-    <p:spTree>
-      <p:nvGrpSpPr>
-        <p:cNvPr id="1" name=""/>
-        <p:cNvGrpSpPr/>
-        <p:nvPr/>
-      </p:nvGrpSpPr>
-      <p:grpSpPr>
-        <a:xfrm>
-          <a:off x="0" y="0"/>
-          <a:ext cx="0" cy="0"/>
-          <a:chOff x="0" y="0"/>
-          <a:chExt cx="0" cy="0"/>
-        </a:xfrm>
-      </p:grpSpPr>
-    </p:spTree>
-    <p:extLst>
-      <p:ext uri="{BB962C8B-B14F-4D97-AF65-F5344CB8AC3E}">
-        <p14:creationId xmlns:p14="http://schemas.microsoft.com/office/powerpoint/2010/main" val="3304338437"/>
-      </p:ext>
-    </p:extLst>
-  </p:cSld>
-  <p:clrMapOvr>
-    <a:masterClrMapping/>
-  </p:clrMapOvr>
-</p:sld>
-</file>
-
-<file path=ppt/slides/slide12.xml><?xml version="1.0" encoding="utf-8"?>
-<p:sld xmlns:a="http://schemas.openxmlformats.org/drawingml/2006/main" xmlns:r="http://schemas.openxmlformats.org/officeDocument/2006/relationships" xmlns:p="http://schemas.openxmlformats.org/presentationml/2006/main">
-  <p:cSld>
-    <p:spTree>
-      <p:nvGrpSpPr>
-        <p:cNvPr id="1" name=""/>
-        <p:cNvGrpSpPr/>
-        <p:nvPr/>
-      </p:nvGrpSpPr>
-      <p:grpSpPr>
-        <a:xfrm>
-          <a:off x="0" y="0"/>
-          <a:ext cx="0" cy="0"/>
-          <a:chOff x="0" y="0"/>
-          <a:chExt cx="0" cy="0"/>
-        </a:xfrm>
-      </p:grpSpPr>
-    </p:spTree>
-    <p:extLst>
-      <p:ext uri="{BB962C8B-B14F-4D97-AF65-F5344CB8AC3E}">
-        <p14:creationId xmlns:p14="http://schemas.microsoft.com/office/powerpoint/2010/main" val="1035397742"/>
-      </p:ext>
-    </p:extLst>
-  </p:cSld>
-  <p:clrMapOvr>
-    <a:masterClrMapping/>
-  </p:clrMapOvr>
-</p:sld>
-</file>
-
-<file path=ppt/slides/slide13.xml><?xml version="1.0" encoding="utf-8"?>
-<p:sld xmlns:a="http://schemas.openxmlformats.org/drawingml/2006/main" xmlns:r="http://schemas.openxmlformats.org/officeDocument/2006/relationships" xmlns:p="http://schemas.openxmlformats.org/presentationml/2006/main">
-  <p:cSld>
-    <p:spTree>
-      <p:nvGrpSpPr>
-        <p:cNvPr id="1" name=""/>
-        <p:cNvGrpSpPr/>
-        <p:nvPr/>
-      </p:nvGrpSpPr>
-      <p:grpSpPr>
-        <a:xfrm>
-          <a:off x="0" y="0"/>
-          <a:ext cx="0" cy="0"/>
-          <a:chOff x="0" y="0"/>
-          <a:chExt cx="0" cy="0"/>
-        </a:xfrm>
-      </p:grpSpPr>
-    </p:spTree>
-    <p:extLst>
-      <p:ext uri="{BB962C8B-B14F-4D97-AF65-F5344CB8AC3E}">
-        <p14:creationId xmlns:p14="http://schemas.microsoft.com/office/powerpoint/2010/main" val="1816228003"/>
-      </p:ext>
-    </p:extLst>
-  </p:cSld>
-  <p:clrMapOvr>
-    <a:masterClrMapping/>
-  </p:clrMapOvr>
+  <p:timing>
+    <p:tnLst>
+      <p:par>
+        <p:cTn id="1" dur="indefinite" restart="never" nodeType="tmRoot"/>
+      </p:par>
+    </p:tnLst>
+  </p:timing>
 </p:sld>
 </file>
 
@@ -3784,16 +4745,356 @@
           <a:chExt cx="0" cy="0"/>
         </a:xfrm>
       </p:grpSpPr>
+      <p:pic>
+        <p:nvPicPr>
+          <p:cNvPr id="2" name="Picture 1"/>
+          <p:cNvPicPr>
+            <a:picLocks noChangeAspect="1"/>
+          </p:cNvPicPr>
+          <p:nvPr/>
+        </p:nvPicPr>
+        <p:blipFill>
+          <a:blip r:embed="rId2"/>
+          <a:stretch>
+            <a:fillRect/>
+          </a:stretch>
+        </p:blipFill>
+        <p:spPr>
+          <a:xfrm>
+            <a:off x="2075380" y="66150"/>
+            <a:ext cx="8041240" cy="6725700"/>
+          </a:xfrm>
+          <a:prstGeom prst="rect">
+            <a:avLst/>
+          </a:prstGeom>
+        </p:spPr>
+      </p:pic>
     </p:spTree>
     <p:extLst>
       <p:ext uri="{BB962C8B-B14F-4D97-AF65-F5344CB8AC3E}">
-        <p14:creationId xmlns:p14="http://schemas.microsoft.com/office/powerpoint/2010/main" val="3940423890"/>
+        <p14:creationId xmlns:p14="http://schemas.microsoft.com/office/powerpoint/2010/main" val="2688486473"/>
       </p:ext>
     </p:extLst>
   </p:cSld>
   <p:clrMapOvr>
     <a:masterClrMapping/>
   </p:clrMapOvr>
+  <p:timing>
+    <p:tnLst>
+      <p:par>
+        <p:cTn id="1" dur="indefinite" restart="never" nodeType="tmRoot"/>
+      </p:par>
+    </p:tnLst>
+  </p:timing>
+</p:sld>
+</file>
+
+<file path=ppt/slides/slide15.xml><?xml version="1.0" encoding="utf-8"?>
+<p:sld xmlns:a="http://schemas.openxmlformats.org/drawingml/2006/main" xmlns:r="http://schemas.openxmlformats.org/officeDocument/2006/relationships" xmlns:p="http://schemas.openxmlformats.org/presentationml/2006/main">
+  <p:cSld>
+    <p:spTree>
+      <p:nvGrpSpPr>
+        <p:cNvPr id="1" name=""/>
+        <p:cNvGrpSpPr/>
+        <p:nvPr/>
+      </p:nvGrpSpPr>
+      <p:grpSpPr>
+        <a:xfrm>
+          <a:off x="0" y="0"/>
+          <a:ext cx="0" cy="0"/>
+          <a:chOff x="0" y="0"/>
+          <a:chExt cx="0" cy="0"/>
+        </a:xfrm>
+      </p:grpSpPr>
+      <p:pic>
+        <p:nvPicPr>
+          <p:cNvPr id="2" name="Picture 1"/>
+          <p:cNvPicPr>
+            <a:picLocks noChangeAspect="1"/>
+          </p:cNvPicPr>
+          <p:nvPr/>
+        </p:nvPicPr>
+        <p:blipFill>
+          <a:blip r:embed="rId2"/>
+          <a:stretch>
+            <a:fillRect/>
+          </a:stretch>
+        </p:blipFill>
+        <p:spPr>
+          <a:xfrm>
+            <a:off x="164815" y="515046"/>
+            <a:ext cx="11900362" cy="5834384"/>
+          </a:xfrm>
+          <a:prstGeom prst="rect">
+            <a:avLst/>
+          </a:prstGeom>
+        </p:spPr>
+      </p:pic>
+    </p:spTree>
+    <p:extLst>
+      <p:ext uri="{BB962C8B-B14F-4D97-AF65-F5344CB8AC3E}">
+        <p14:creationId xmlns:p14="http://schemas.microsoft.com/office/powerpoint/2010/main" val="1308435250"/>
+      </p:ext>
+    </p:extLst>
+  </p:cSld>
+  <p:clrMapOvr>
+    <a:masterClrMapping/>
+  </p:clrMapOvr>
+  <p:timing>
+    <p:tnLst>
+      <p:par>
+        <p:cTn id="1" dur="indefinite" restart="never" nodeType="tmRoot"/>
+      </p:par>
+    </p:tnLst>
+  </p:timing>
+</p:sld>
+</file>
+
+<file path=ppt/slides/slide16.xml><?xml version="1.0" encoding="utf-8"?>
+<p:sld xmlns:a="http://schemas.openxmlformats.org/drawingml/2006/main" xmlns:r="http://schemas.openxmlformats.org/officeDocument/2006/relationships" xmlns:p="http://schemas.openxmlformats.org/presentationml/2006/main">
+  <p:cSld>
+    <p:spTree>
+      <p:nvGrpSpPr>
+        <p:cNvPr id="1" name=""/>
+        <p:cNvGrpSpPr/>
+        <p:nvPr/>
+      </p:nvGrpSpPr>
+      <p:grpSpPr>
+        <a:xfrm>
+          <a:off x="0" y="0"/>
+          <a:ext cx="0" cy="0"/>
+          <a:chOff x="0" y="0"/>
+          <a:chExt cx="0" cy="0"/>
+        </a:xfrm>
+      </p:grpSpPr>
+      <p:pic>
+        <p:nvPicPr>
+          <p:cNvPr id="2" name="Picture 1"/>
+          <p:cNvPicPr>
+            <a:picLocks noChangeAspect="1"/>
+          </p:cNvPicPr>
+          <p:nvPr/>
+        </p:nvPicPr>
+        <p:blipFill>
+          <a:blip r:embed="rId2"/>
+          <a:stretch>
+            <a:fillRect/>
+          </a:stretch>
+        </p:blipFill>
+        <p:spPr>
+          <a:xfrm>
+            <a:off x="-89257" y="233095"/>
+            <a:ext cx="12181940" cy="2423463"/>
+          </a:xfrm>
+          <a:prstGeom prst="rect">
+            <a:avLst/>
+          </a:prstGeom>
+        </p:spPr>
+      </p:pic>
+    </p:spTree>
+    <p:extLst>
+      <p:ext uri="{BB962C8B-B14F-4D97-AF65-F5344CB8AC3E}">
+        <p14:creationId xmlns:p14="http://schemas.microsoft.com/office/powerpoint/2010/main" val="3742816269"/>
+      </p:ext>
+    </p:extLst>
+  </p:cSld>
+  <p:clrMapOvr>
+    <a:masterClrMapping/>
+  </p:clrMapOvr>
+  <p:timing>
+    <p:tnLst>
+      <p:par>
+        <p:cTn id="1" dur="indefinite" restart="never" nodeType="tmRoot"/>
+      </p:par>
+    </p:tnLst>
+  </p:timing>
+</p:sld>
+</file>
+
+<file path=ppt/slides/slide17.xml><?xml version="1.0" encoding="utf-8"?>
+<p:sld xmlns:a="http://schemas.openxmlformats.org/drawingml/2006/main" xmlns:r="http://schemas.openxmlformats.org/officeDocument/2006/relationships" xmlns:p="http://schemas.openxmlformats.org/presentationml/2006/main">
+  <p:cSld>
+    <p:spTree>
+      <p:nvGrpSpPr>
+        <p:cNvPr id="1" name=""/>
+        <p:cNvGrpSpPr/>
+        <p:nvPr/>
+      </p:nvGrpSpPr>
+      <p:grpSpPr>
+        <a:xfrm>
+          <a:off x="0" y="0"/>
+          <a:ext cx="0" cy="0"/>
+          <a:chOff x="0" y="0"/>
+          <a:chExt cx="0" cy="0"/>
+        </a:xfrm>
+      </p:grpSpPr>
+      <p:pic>
+        <p:nvPicPr>
+          <p:cNvPr id="2" name="Picture 1"/>
+          <p:cNvPicPr>
+            <a:picLocks noChangeAspect="1"/>
+          </p:cNvPicPr>
+          <p:nvPr/>
+        </p:nvPicPr>
+        <p:blipFill>
+          <a:blip r:embed="rId2"/>
+          <a:stretch>
+            <a:fillRect/>
+          </a:stretch>
+        </p:blipFill>
+        <p:spPr>
+          <a:xfrm>
+            <a:off x="481012" y="238125"/>
+            <a:ext cx="11229975" cy="6381750"/>
+          </a:xfrm>
+          <a:prstGeom prst="rect">
+            <a:avLst/>
+          </a:prstGeom>
+        </p:spPr>
+      </p:pic>
+    </p:spTree>
+    <p:extLst>
+      <p:ext uri="{BB962C8B-B14F-4D97-AF65-F5344CB8AC3E}">
+        <p14:creationId xmlns:p14="http://schemas.microsoft.com/office/powerpoint/2010/main" val="327504158"/>
+      </p:ext>
+    </p:extLst>
+  </p:cSld>
+  <p:clrMapOvr>
+    <a:masterClrMapping/>
+  </p:clrMapOvr>
+  <p:timing>
+    <p:tnLst>
+      <p:par>
+        <p:cTn id="1" dur="indefinite" restart="never" nodeType="tmRoot"/>
+      </p:par>
+    </p:tnLst>
+  </p:timing>
+</p:sld>
+</file>
+
+<file path=ppt/slides/slide18.xml><?xml version="1.0" encoding="utf-8"?>
+<p:sld xmlns:a="http://schemas.openxmlformats.org/drawingml/2006/main" xmlns:r="http://schemas.openxmlformats.org/officeDocument/2006/relationships" xmlns:p="http://schemas.openxmlformats.org/presentationml/2006/main">
+  <p:cSld>
+    <p:spTree>
+      <p:nvGrpSpPr>
+        <p:cNvPr id="1" name=""/>
+        <p:cNvGrpSpPr/>
+        <p:nvPr/>
+      </p:nvGrpSpPr>
+      <p:grpSpPr>
+        <a:xfrm>
+          <a:off x="0" y="0"/>
+          <a:ext cx="0" cy="0"/>
+          <a:chOff x="0" y="0"/>
+          <a:chExt cx="0" cy="0"/>
+        </a:xfrm>
+      </p:grpSpPr>
+      <p:pic>
+        <p:nvPicPr>
+          <p:cNvPr id="2" name="Picture 1"/>
+          <p:cNvPicPr>
+            <a:picLocks noChangeAspect="1"/>
+          </p:cNvPicPr>
+          <p:nvPr/>
+        </p:nvPicPr>
+        <p:blipFill>
+          <a:blip r:embed="rId2"/>
+          <a:stretch>
+            <a:fillRect/>
+          </a:stretch>
+        </p:blipFill>
+        <p:spPr>
+          <a:xfrm>
+            <a:off x="471015" y="626564"/>
+            <a:ext cx="11478043" cy="5414642"/>
+          </a:xfrm>
+          <a:prstGeom prst="rect">
+            <a:avLst/>
+          </a:prstGeom>
+        </p:spPr>
+      </p:pic>
+    </p:spTree>
+    <p:extLst>
+      <p:ext uri="{BB962C8B-B14F-4D97-AF65-F5344CB8AC3E}">
+        <p14:creationId xmlns:p14="http://schemas.microsoft.com/office/powerpoint/2010/main" val="897696131"/>
+      </p:ext>
+    </p:extLst>
+  </p:cSld>
+  <p:clrMapOvr>
+    <a:masterClrMapping/>
+  </p:clrMapOvr>
+  <p:timing>
+    <p:tnLst>
+      <p:par>
+        <p:cTn id="1" dur="indefinite" restart="never" nodeType="tmRoot"/>
+      </p:par>
+    </p:tnLst>
+  </p:timing>
+</p:sld>
+</file>
+
+<file path=ppt/slides/slide19.xml><?xml version="1.0" encoding="utf-8"?>
+<p:sld xmlns:a="http://schemas.openxmlformats.org/drawingml/2006/main" xmlns:r="http://schemas.openxmlformats.org/officeDocument/2006/relationships" xmlns:p="http://schemas.openxmlformats.org/presentationml/2006/main">
+  <p:cSld>
+    <p:spTree>
+      <p:nvGrpSpPr>
+        <p:cNvPr id="1" name=""/>
+        <p:cNvGrpSpPr/>
+        <p:nvPr/>
+      </p:nvGrpSpPr>
+      <p:grpSpPr>
+        <a:xfrm>
+          <a:off x="0" y="0"/>
+          <a:ext cx="0" cy="0"/>
+          <a:chOff x="0" y="0"/>
+          <a:chExt cx="0" cy="0"/>
+        </a:xfrm>
+      </p:grpSpPr>
+      <p:sp>
+        <p:nvSpPr>
+          <p:cNvPr id="2" name="Rectangle 1"/>
+          <p:cNvSpPr/>
+          <p:nvPr/>
+        </p:nvSpPr>
+        <p:spPr>
+          <a:xfrm>
+            <a:off x="1182311" y="1590195"/>
+            <a:ext cx="8368894" cy="707886"/>
+          </a:xfrm>
+          <a:prstGeom prst="rect">
+            <a:avLst/>
+          </a:prstGeom>
+        </p:spPr>
+        <p:txBody>
+          <a:bodyPr wrap="none">
+            <a:spAutoFit/>
+          </a:bodyPr>
+          <a:lstStyle/>
+          <a:p>
+            <a:r>
+              <a:rPr lang="en-US" sz="4000" dirty="0"/>
+              <a:t>https://github.com/Bosiro/GIS-Exercise</a:t>
+            </a:r>
+          </a:p>
+        </p:txBody>
+      </p:sp>
+    </p:spTree>
+    <p:extLst>
+      <p:ext uri="{BB962C8B-B14F-4D97-AF65-F5344CB8AC3E}">
+        <p14:creationId xmlns:p14="http://schemas.microsoft.com/office/powerpoint/2010/main" val="3304338437"/>
+      </p:ext>
+    </p:extLst>
+  </p:cSld>
+  <p:clrMapOvr>
+    <a:masterClrMapping/>
+  </p:clrMapOvr>
+  <p:timing>
+    <p:tnLst>
+      <p:par>
+        <p:cTn id="1" dur="indefinite" restart="never" nodeType="tmRoot"/>
+      </p:par>
+    </p:tnLst>
+  </p:timing>
 </p:sld>
 </file>
 
@@ -4295,6 +5596,13 @@
   <p:clrMapOvr>
     <a:masterClrMapping/>
   </p:clrMapOvr>
+  <p:timing>
+    <p:tnLst>
+      <p:par>
+        <p:cTn id="1" dur="indefinite" restart="never" nodeType="tmRoot"/>
+      </p:par>
+    </p:tnLst>
+  </p:timing>
 </p:sld>
 </file>
 
@@ -4394,6 +5702,13 @@
   <p:clrMapOvr>
     <a:masterClrMapping/>
   </p:clrMapOvr>
+  <p:timing>
+    <p:tnLst>
+      <p:par>
+        <p:cTn id="1" dur="indefinite" restart="never" nodeType="tmRoot"/>
+      </p:par>
+    </p:tnLst>
+  </p:timing>
 </p:sld>
 </file>
 
@@ -4493,6 +5808,13 @@
   <p:clrMapOvr>
     <a:masterClrMapping/>
   </p:clrMapOvr>
+  <p:timing>
+    <p:tnLst>
+      <p:par>
+        <p:cTn id="1" dur="indefinite" restart="never" nodeType="tmRoot"/>
+      </p:par>
+    </p:tnLst>
+  </p:timing>
 </p:sld>
 </file>
 
@@ -4513,891 +5835,117 @@
           <a:chExt cx="0" cy="0"/>
         </a:xfrm>
       </p:grpSpPr>
-      <p:graphicFrame>
-        <p:nvGraphicFramePr>
-          <p:cNvPr id="2" name="Table 1"/>
-          <p:cNvGraphicFramePr>
-            <a:graphicFrameLocks noGrp="1"/>
-          </p:cNvGraphicFramePr>
-          <p:nvPr>
-            <p:extLst>
-              <p:ext uri="{D42A27DB-BD31-4B8C-83A1-F6EECF244321}">
-                <p14:modId xmlns:p14="http://schemas.microsoft.com/office/powerpoint/2010/main" val="366234245"/>
-              </p:ext>
-            </p:extLst>
-          </p:nvPr>
-        </p:nvGraphicFramePr>
-        <p:xfrm>
-          <a:off x="372166" y="371795"/>
-          <a:ext cx="11415644" cy="2690338"/>
-        </p:xfrm>
-        <a:graphic>
-          <a:graphicData uri="http://schemas.openxmlformats.org/drawingml/2006/table">
-            <a:tbl>
-              <a:tblPr firstRow="1" bandRow="1">
-                <a:tableStyleId>{5C22544A-7EE6-4342-B048-85BDC9FD1C3A}</a:tableStyleId>
-              </a:tblPr>
-              <a:tblGrid>
-                <a:gridCol w="6855424">
-                  <a:extLst>
-                    <a:ext uri="{9D8B030D-6E8A-4147-A177-3AD203B41FA5}">
-                      <a16:colId xmlns:a16="http://schemas.microsoft.com/office/drawing/2014/main" val="3398990145"/>
-                    </a:ext>
-                  </a:extLst>
-                </a:gridCol>
-                <a:gridCol w="4351940">
-                  <a:extLst>
-                    <a:ext uri="{9D8B030D-6E8A-4147-A177-3AD203B41FA5}">
-                      <a16:colId xmlns:a16="http://schemas.microsoft.com/office/drawing/2014/main" val="1245985164"/>
-                    </a:ext>
-                  </a:extLst>
-                </a:gridCol>
-                <a:gridCol w="208280">
-                  <a:extLst>
-                    <a:ext uri="{9D8B030D-6E8A-4147-A177-3AD203B41FA5}">
-                      <a16:colId xmlns:a16="http://schemas.microsoft.com/office/drawing/2014/main" val="2002453248"/>
-                    </a:ext>
-                  </a:extLst>
-                </a:gridCol>
-              </a:tblGrid>
-              <a:tr h="502848">
-                <a:tc gridSpan="3">
-                  <a:txBody>
-                    <a:bodyPr/>
-                    <a:lstStyle/>
-                    <a:p>
-                      <a:pPr marL="0" marR="0" lvl="0" indent="0" algn="l" defTabSz="914400" rtl="0" eaLnBrk="1" fontAlgn="auto" latinLnBrk="0" hangingPunct="1">
-                        <a:lnSpc>
-                          <a:spcPct val="100000"/>
-                        </a:lnSpc>
-                        <a:spcBef>
-                          <a:spcPts val="0"/>
-                        </a:spcBef>
-                        <a:spcAft>
-                          <a:spcPts val="0"/>
-                        </a:spcAft>
-                        <a:buClrTx/>
-                        <a:buSzTx/>
-                        <a:buFontTx/>
-                        <a:buNone/>
-                        <a:tabLst/>
-                        <a:defRPr/>
-                      </a:pPr>
-                      <a:r>
-                        <a:rPr kumimoji="0" lang="en-US" sz="2400" b="1" i="0" u="none" strike="noStrike" kern="1200" cap="none" spc="0" normalizeH="0" baseline="0" noProof="0" dirty="0" smtClean="0">
-                          <a:ln>
-                            <a:noFill/>
-                          </a:ln>
-                          <a:solidFill>
-                            <a:prstClr val="black"/>
-                          </a:solidFill>
-                          <a:effectLst/>
-                          <a:uLnTx/>
-                          <a:uFillTx/>
-                          <a:latin typeface="+mn-lt"/>
-                          <a:ea typeface="+mn-ea"/>
-                          <a:cs typeface="+mn-cs"/>
-                        </a:rPr>
-                        <a:t>#Setting out the various per unit costs</a:t>
-                      </a:r>
-                    </a:p>
-                  </a:txBody>
-                  <a:tcPr/>
-                </a:tc>
-                <a:tc hMerge="1">
-                  <a:txBody>
-                    <a:bodyPr/>
-                    <a:lstStyle/>
-                    <a:p>
-                      <a:endParaRPr lang="en-US" dirty="0"/>
-                    </a:p>
-                  </a:txBody>
-                  <a:tcPr/>
-                </a:tc>
-                <a:tc hMerge="1">
-                  <a:txBody>
-                    <a:bodyPr/>
-                    <a:lstStyle/>
-                    <a:p>
-                      <a:endParaRPr lang="en-US" dirty="0"/>
-                    </a:p>
-                  </a:txBody>
-                  <a:tcPr/>
-                </a:tc>
-                <a:extLst>
-                  <a:ext uri="{0D108BD9-81ED-4DB2-BD59-A6C34878D82A}">
-                    <a16:rowId xmlns:a16="http://schemas.microsoft.com/office/drawing/2014/main" val="2873234731"/>
-                  </a:ext>
-                </a:extLst>
-              </a:tr>
-              <a:tr h="487018">
-                <a:tc>
-                  <a:txBody>
-                    <a:bodyPr/>
-                    <a:lstStyle/>
-                    <a:p>
-                      <a:pPr marL="0" marR="0" lvl="0" indent="0" algn="l" defTabSz="914400" rtl="0" eaLnBrk="1" fontAlgn="auto" latinLnBrk="0" hangingPunct="1">
-                        <a:lnSpc>
-                          <a:spcPct val="100000"/>
-                        </a:lnSpc>
-                        <a:spcBef>
-                          <a:spcPts val="0"/>
-                        </a:spcBef>
-                        <a:spcAft>
-                          <a:spcPts val="0"/>
-                        </a:spcAft>
-                        <a:buClrTx/>
-                        <a:buSzTx/>
-                        <a:buFontTx/>
-                        <a:buNone/>
-                        <a:tabLst/>
-                        <a:defRPr/>
-                      </a:pPr>
-                      <a:r>
-                        <a:rPr kumimoji="0" lang="en-US" sz="1600" b="0" i="0" u="none" strike="noStrike" kern="1200" cap="none" spc="0" normalizeH="0" baseline="0" noProof="0" dirty="0" smtClean="0">
-                          <a:ln>
-                            <a:noFill/>
-                          </a:ln>
-                          <a:solidFill>
-                            <a:prstClr val="black"/>
-                          </a:solidFill>
-                          <a:effectLst/>
-                          <a:uLnTx/>
-                          <a:uFillTx/>
-                          <a:latin typeface="Century Gothic" panose="020B0502020202020204" pitchFamily="34" charset="0"/>
-                          <a:ea typeface="+mn-ea"/>
-                          <a:cs typeface="+mn-cs"/>
-                        </a:rPr>
-                        <a:t>'</a:t>
-                      </a:r>
-                      <a:r>
-                        <a:rPr kumimoji="0" lang="en-US" sz="1600" b="0" i="0" u="none" strike="noStrike" kern="1200" cap="none" spc="0" normalizeH="0" baseline="0" noProof="0" dirty="0" err="1" smtClean="0">
-                          <a:ln>
-                            <a:noFill/>
-                          </a:ln>
-                          <a:solidFill>
-                            <a:prstClr val="black"/>
-                          </a:solidFill>
-                          <a:effectLst/>
-                          <a:uLnTx/>
-                          <a:uFillTx/>
-                          <a:latin typeface="Century Gothic" panose="020B0502020202020204" pitchFamily="34" charset="0"/>
-                          <a:ea typeface="+mn-ea"/>
-                          <a:cs typeface="+mn-cs"/>
-                        </a:rPr>
-                        <a:t>Total_hours</a:t>
-                      </a:r>
-                      <a:endParaRPr kumimoji="0" lang="en-US" sz="1600" b="0" i="0" u="none" strike="noStrike" kern="1200" cap="none" spc="0" normalizeH="0" baseline="0" noProof="0" dirty="0" smtClean="0">
-                        <a:ln>
-                          <a:noFill/>
-                        </a:ln>
-                        <a:solidFill>
-                          <a:prstClr val="black"/>
-                        </a:solidFill>
-                        <a:effectLst/>
-                        <a:uLnTx/>
-                        <a:uFillTx/>
-                        <a:latin typeface="Century Gothic" panose="020B0502020202020204" pitchFamily="34" charset="0"/>
-                        <a:ea typeface="+mn-ea"/>
-                        <a:cs typeface="+mn-cs"/>
-                      </a:endParaRPr>
-                    </a:p>
-                  </a:txBody>
-                  <a:tcPr/>
-                </a:tc>
-                <a:tc>
-                  <a:txBody>
-                    <a:bodyPr/>
-                    <a:lstStyle/>
-                    <a:p>
-                      <a:r>
-                        <a:rPr kumimoji="0" lang="en-US" sz="1600" b="0" i="0" u="none" strike="noStrike" kern="1200" cap="none" spc="0" normalizeH="0" baseline="0" noProof="0" dirty="0" smtClean="0">
-                          <a:ln>
-                            <a:noFill/>
-                          </a:ln>
-                          <a:solidFill>
-                            <a:prstClr val="black"/>
-                          </a:solidFill>
-                          <a:effectLst/>
-                          <a:uLnTx/>
-                          <a:uFillTx/>
-                          <a:latin typeface="Century Gothic" panose="020B0502020202020204" pitchFamily="34" charset="0"/>
-                          <a:ea typeface="+mn-ea"/>
-                          <a:cs typeface="+mn-cs"/>
-                        </a:rPr>
-                        <a:t>34hrs 0min'</a:t>
-                      </a:r>
-                      <a:endParaRPr lang="en-US" sz="1600" dirty="0">
-                        <a:latin typeface="Century Gothic" panose="020B0502020202020204" pitchFamily="34" charset="0"/>
-                      </a:endParaRPr>
-                    </a:p>
-                  </a:txBody>
-                  <a:tcPr/>
-                </a:tc>
-                <a:tc>
-                  <a:txBody>
-                    <a:bodyPr/>
-                    <a:lstStyle/>
-                    <a:p>
-                      <a:endParaRPr lang="en-US"/>
-                    </a:p>
-                  </a:txBody>
-                  <a:tcPr/>
-                </a:tc>
-                <a:extLst>
-                  <a:ext uri="{0D108BD9-81ED-4DB2-BD59-A6C34878D82A}">
-                    <a16:rowId xmlns:a16="http://schemas.microsoft.com/office/drawing/2014/main" val="1099934546"/>
-                  </a:ext>
-                </a:extLst>
-              </a:tr>
-              <a:tr h="420896">
-                <a:tc>
-                  <a:txBody>
-                    <a:bodyPr/>
-                    <a:lstStyle/>
-                    <a:p>
-                      <a:r>
-                        <a:rPr kumimoji="0" lang="en-US" sz="1600" b="0" i="0" u="none" strike="noStrike" kern="1200" cap="none" spc="0" normalizeH="0" baseline="0" noProof="0" dirty="0" smtClean="0">
-                          <a:ln>
-                            <a:noFill/>
-                          </a:ln>
-                          <a:solidFill>
-                            <a:prstClr val="black"/>
-                          </a:solidFill>
-                          <a:effectLst/>
-                          <a:uLnTx/>
-                          <a:uFillTx/>
-                          <a:latin typeface="Century Gothic" panose="020B0502020202020204" pitchFamily="34" charset="0"/>
-                          <a:ea typeface="+mn-ea"/>
-                          <a:cs typeface="+mn-cs"/>
-                        </a:rPr>
-                        <a:t>'</a:t>
-                      </a:r>
-                      <a:r>
-                        <a:rPr kumimoji="0" lang="en-US" sz="1600" b="0" i="0" u="none" strike="noStrike" kern="1200" cap="none" spc="0" normalizeH="0" baseline="0" noProof="0" dirty="0" err="1" smtClean="0">
-                          <a:ln>
-                            <a:noFill/>
-                          </a:ln>
-                          <a:solidFill>
-                            <a:prstClr val="black"/>
-                          </a:solidFill>
-                          <a:effectLst/>
-                          <a:uLnTx/>
-                          <a:uFillTx/>
-                          <a:latin typeface="Century Gothic" panose="020B0502020202020204" pitchFamily="34" charset="0"/>
-                          <a:ea typeface="+mn-ea"/>
-                          <a:cs typeface="+mn-cs"/>
-                        </a:rPr>
-                        <a:t>Total_distance</a:t>
-                      </a:r>
-                      <a:endParaRPr lang="en-US" sz="1600" dirty="0">
-                        <a:latin typeface="Century Gothic" panose="020B0502020202020204" pitchFamily="34" charset="0"/>
-                      </a:endParaRPr>
-                    </a:p>
-                  </a:txBody>
-                  <a:tcPr/>
-                </a:tc>
-                <a:tc>
-                  <a:txBody>
-                    <a:bodyPr/>
-                    <a:lstStyle/>
-                    <a:p>
-                      <a:r>
-                        <a:rPr kumimoji="0" lang="en-US" sz="1600" b="0" i="0" u="none" strike="noStrike" kern="1200" cap="none" spc="0" normalizeH="0" baseline="0" noProof="0" dirty="0" smtClean="0">
-                          <a:ln>
-                            <a:noFill/>
-                          </a:ln>
-                          <a:solidFill>
-                            <a:prstClr val="black"/>
-                          </a:solidFill>
-                          <a:effectLst/>
-                          <a:uLnTx/>
-                          <a:uFillTx/>
-                          <a:latin typeface="Century Gothic" panose="020B0502020202020204" pitchFamily="34" charset="0"/>
-                          <a:ea typeface="+mn-ea"/>
-                          <a:cs typeface="+mn-cs"/>
-                        </a:rPr>
-                        <a:t>2062kms'</a:t>
-                      </a:r>
-                      <a:endParaRPr lang="en-US" sz="1600" dirty="0">
-                        <a:latin typeface="Century Gothic" panose="020B0502020202020204" pitchFamily="34" charset="0"/>
-                      </a:endParaRPr>
-                    </a:p>
-                  </a:txBody>
-                  <a:tcPr/>
-                </a:tc>
-                <a:tc>
-                  <a:txBody>
-                    <a:bodyPr/>
-                    <a:lstStyle/>
-                    <a:p>
-                      <a:endParaRPr lang="en-US"/>
-                    </a:p>
-                  </a:txBody>
-                  <a:tcPr/>
-                </a:tc>
-                <a:extLst>
-                  <a:ext uri="{0D108BD9-81ED-4DB2-BD59-A6C34878D82A}">
-                    <a16:rowId xmlns:a16="http://schemas.microsoft.com/office/drawing/2014/main" val="1777615761"/>
-                  </a:ext>
-                </a:extLst>
-              </a:tr>
-              <a:tr h="639788">
-                <a:tc>
-                  <a:txBody>
-                    <a:bodyPr/>
-                    <a:lstStyle/>
-                    <a:p>
-                      <a:r>
-                        <a:rPr kumimoji="0" lang="en-US" sz="1600" b="0" i="0" u="none" strike="noStrike" kern="1200" cap="none" spc="0" normalizeH="0" baseline="0" noProof="0" dirty="0" smtClean="0">
-                          <a:ln>
-                            <a:noFill/>
-                          </a:ln>
-                          <a:solidFill>
-                            <a:prstClr val="black"/>
-                          </a:solidFill>
-                          <a:effectLst/>
-                          <a:uLnTx/>
-                          <a:uFillTx/>
-                          <a:latin typeface="Century Gothic" panose="020B0502020202020204" pitchFamily="34" charset="0"/>
-                          <a:ea typeface="+mn-ea"/>
-                          <a:cs typeface="+mn-cs"/>
-                        </a:rPr>
-                        <a:t>'Absolute Rules:15 min break after every 2 hours, driving is between 5am and 10pm </a:t>
-                      </a:r>
-                      <a:endParaRPr lang="en-US" sz="1600" dirty="0">
-                        <a:latin typeface="Century Gothic" panose="020B0502020202020204" pitchFamily="34" charset="0"/>
-                      </a:endParaRPr>
-                    </a:p>
-                  </a:txBody>
-                  <a:tcPr/>
-                </a:tc>
-                <a:tc>
-                  <a:txBody>
-                    <a:bodyPr/>
-                    <a:lstStyle/>
-                    <a:p>
-                      <a:r>
-                        <a:rPr lang="en-US" sz="1600" dirty="0" smtClean="0">
-                          <a:latin typeface="Century Gothic" panose="020B0502020202020204" pitchFamily="34" charset="0"/>
-                        </a:rPr>
-                        <a:t>17 hours per day 2 hours of rest</a:t>
-                      </a:r>
-                      <a:endParaRPr lang="en-US" sz="1600" dirty="0">
-                        <a:latin typeface="Century Gothic" panose="020B0502020202020204" pitchFamily="34" charset="0"/>
-                      </a:endParaRPr>
-                    </a:p>
-                  </a:txBody>
-                  <a:tcPr/>
-                </a:tc>
-                <a:tc>
-                  <a:txBody>
-                    <a:bodyPr/>
-                    <a:lstStyle/>
-                    <a:p>
-                      <a:endParaRPr lang="en-US"/>
-                    </a:p>
-                  </a:txBody>
-                  <a:tcPr/>
-                </a:tc>
-                <a:extLst>
-                  <a:ext uri="{0D108BD9-81ED-4DB2-BD59-A6C34878D82A}">
-                    <a16:rowId xmlns:a16="http://schemas.microsoft.com/office/drawing/2014/main" val="4090622803"/>
-                  </a:ext>
-                </a:extLst>
-              </a:tr>
-              <a:tr h="639788">
-                <a:tc>
-                  <a:txBody>
-                    <a:bodyPr/>
-                    <a:lstStyle/>
-                    <a:p>
-                      <a:pPr marL="0" marR="0" lvl="0" indent="0" algn="l" defTabSz="914400" rtl="0" eaLnBrk="1" fontAlgn="auto" latinLnBrk="0" hangingPunct="1">
-                        <a:lnSpc>
-                          <a:spcPct val="100000"/>
-                        </a:lnSpc>
-                        <a:spcBef>
-                          <a:spcPts val="0"/>
-                        </a:spcBef>
-                        <a:spcAft>
-                          <a:spcPts val="0"/>
-                        </a:spcAft>
-                        <a:buClrTx/>
-                        <a:buSzTx/>
-                        <a:buFontTx/>
-                        <a:buNone/>
-                        <a:tabLst/>
-                        <a:defRPr/>
-                      </a:pPr>
-                      <a:r>
-                        <a:rPr kumimoji="0" lang="en-US" sz="1600" b="0" i="0" u="none" strike="noStrike" kern="1200" cap="none" spc="0" normalizeH="0" baseline="0" noProof="0" dirty="0" smtClean="0">
-                          <a:ln>
-                            <a:noFill/>
-                          </a:ln>
-                          <a:solidFill>
-                            <a:prstClr val="black"/>
-                          </a:solidFill>
-                          <a:effectLst/>
-                          <a:uLnTx/>
-                          <a:uFillTx/>
-                          <a:latin typeface="Century Gothic" panose="020B0502020202020204" pitchFamily="34" charset="0"/>
-                          <a:ea typeface="+mn-ea"/>
-                          <a:cs typeface="+mn-cs"/>
-                        </a:rPr>
-                        <a:t>34 hours to cover in 15 hours per day</a:t>
-                      </a:r>
-                      <a:endParaRPr lang="en-US" sz="1600" dirty="0">
-                        <a:latin typeface="Century Gothic" panose="020B0502020202020204" pitchFamily="34" charset="0"/>
-                      </a:endParaRPr>
-                    </a:p>
-                  </a:txBody>
-                  <a:tcPr/>
-                </a:tc>
-                <a:tc>
-                  <a:txBody>
-                    <a:bodyPr/>
-                    <a:lstStyle/>
-                    <a:p>
-                      <a:r>
-                        <a:rPr lang="en-US" sz="1600" dirty="0" smtClean="0">
-                          <a:latin typeface="Century Gothic" panose="020B0502020202020204" pitchFamily="34" charset="0"/>
-                        </a:rPr>
-                        <a:t>2.26 days approximately 3 days</a:t>
-                      </a:r>
-                    </a:p>
-                    <a:p>
-                      <a:endParaRPr lang="en-US" sz="1600" dirty="0">
-                        <a:latin typeface="Century Gothic" panose="020B0502020202020204" pitchFamily="34" charset="0"/>
-                      </a:endParaRPr>
-                    </a:p>
-                  </a:txBody>
-                  <a:tcPr/>
-                </a:tc>
-                <a:tc>
-                  <a:txBody>
-                    <a:bodyPr/>
-                    <a:lstStyle/>
-                    <a:p>
-                      <a:endParaRPr lang="en-US" dirty="0"/>
-                    </a:p>
-                  </a:txBody>
-                  <a:tcPr/>
-                </a:tc>
-                <a:extLst>
-                  <a:ext uri="{0D108BD9-81ED-4DB2-BD59-A6C34878D82A}">
-                    <a16:rowId xmlns:a16="http://schemas.microsoft.com/office/drawing/2014/main" val="869024598"/>
-                  </a:ext>
-                </a:extLst>
-              </a:tr>
-            </a:tbl>
-          </a:graphicData>
-        </a:graphic>
-      </p:graphicFrame>
-      <p:graphicFrame>
-        <p:nvGraphicFramePr>
-          <p:cNvPr id="4" name="Table 3"/>
-          <p:cNvGraphicFramePr>
-            <a:graphicFrameLocks noGrp="1"/>
-          </p:cNvGraphicFramePr>
-          <p:nvPr>
-            <p:extLst>
-              <p:ext uri="{D42A27DB-BD31-4B8C-83A1-F6EECF244321}">
-                <p14:modId xmlns:p14="http://schemas.microsoft.com/office/powerpoint/2010/main" val="2404989656"/>
-              </p:ext>
-            </p:extLst>
-          </p:nvPr>
-        </p:nvGraphicFramePr>
-        <p:xfrm>
-          <a:off x="372166" y="3413168"/>
-          <a:ext cx="11415644" cy="2696137"/>
-        </p:xfrm>
-        <a:graphic>
-          <a:graphicData uri="http://schemas.openxmlformats.org/drawingml/2006/table">
-            <a:tbl>
-              <a:tblPr firstRow="1" bandRow="1">
-                <a:tableStyleId>{5C22544A-7EE6-4342-B048-85BDC9FD1C3A}</a:tableStyleId>
-              </a:tblPr>
-              <a:tblGrid>
-                <a:gridCol w="6893338">
-                  <a:extLst>
-                    <a:ext uri="{9D8B030D-6E8A-4147-A177-3AD203B41FA5}">
-                      <a16:colId xmlns:a16="http://schemas.microsoft.com/office/drawing/2014/main" val="3524755052"/>
-                    </a:ext>
-                  </a:extLst>
-                </a:gridCol>
-                <a:gridCol w="4522306">
-                  <a:extLst>
-                    <a:ext uri="{9D8B030D-6E8A-4147-A177-3AD203B41FA5}">
-                      <a16:colId xmlns:a16="http://schemas.microsoft.com/office/drawing/2014/main" val="1683707254"/>
-                    </a:ext>
-                  </a:extLst>
-                </a:gridCol>
-              </a:tblGrid>
-              <a:tr h="471097">
-                <a:tc>
-                  <a:txBody>
-                    <a:bodyPr/>
-                    <a:lstStyle/>
-                    <a:p>
-                      <a:endParaRPr lang="en-US" sz="1600" dirty="0">
-                        <a:latin typeface="Century Gothic" panose="020B0502020202020204" pitchFamily="34" charset="0"/>
-                      </a:endParaRPr>
-                    </a:p>
-                  </a:txBody>
-                  <a:tcPr/>
-                </a:tc>
-                <a:tc>
-                  <a:txBody>
-                    <a:bodyPr/>
-                    <a:lstStyle/>
-                    <a:p>
-                      <a:endParaRPr lang="en-US" sz="1600">
-                        <a:latin typeface="Century Gothic" panose="020B0502020202020204" pitchFamily="34" charset="0"/>
-                      </a:endParaRPr>
-                    </a:p>
-                  </a:txBody>
-                  <a:tcPr/>
-                </a:tc>
-                <a:extLst>
-                  <a:ext uri="{0D108BD9-81ED-4DB2-BD59-A6C34878D82A}">
-                    <a16:rowId xmlns:a16="http://schemas.microsoft.com/office/drawing/2014/main" val="3220412022"/>
-                  </a:ext>
-                </a:extLst>
-              </a:tr>
-              <a:tr h="471097">
-                <a:tc>
-                  <a:txBody>
-                    <a:bodyPr/>
-                    <a:lstStyle/>
-                    <a:p>
-                      <a:pPr marL="0" marR="0" lvl="0" indent="0" algn="l" defTabSz="914400" rtl="0" eaLnBrk="1" fontAlgn="auto" latinLnBrk="0" hangingPunct="1">
-                        <a:lnSpc>
-                          <a:spcPct val="100000"/>
-                        </a:lnSpc>
-                        <a:spcBef>
-                          <a:spcPts val="0"/>
-                        </a:spcBef>
-                        <a:spcAft>
-                          <a:spcPts val="0"/>
-                        </a:spcAft>
-                        <a:buClrTx/>
-                        <a:buSzTx/>
-                        <a:buFontTx/>
-                        <a:buNone/>
-                        <a:tabLst/>
-                        <a:defRPr/>
-                      </a:pPr>
-                      <a:r>
-                        <a:rPr kumimoji="0" lang="en-US" sz="1600" b="0" i="0" u="none" strike="noStrike" kern="1200" cap="none" spc="0" normalizeH="0" baseline="0" noProof="0" dirty="0" smtClean="0">
-                          <a:ln>
-                            <a:noFill/>
-                          </a:ln>
-                          <a:solidFill>
-                            <a:prstClr val="black"/>
-                          </a:solidFill>
-                          <a:effectLst/>
-                          <a:uLnTx/>
-                          <a:uFillTx/>
-                          <a:latin typeface="Century Gothic" panose="020B0502020202020204" pitchFamily="34" charset="0"/>
-                          <a:ea typeface="+mn-ea"/>
-                          <a:cs typeface="+mn-cs"/>
-                        </a:rPr>
-                        <a:t>'Mileage allowance (Ksh.30 / km) by </a:t>
-                      </a:r>
-                      <a:r>
-                        <a:rPr kumimoji="0" lang="en-US" sz="1600" b="0" i="0" u="none" strike="noStrike" kern="1200" cap="none" spc="0" normalizeH="0" baseline="0" noProof="0" dirty="0" smtClean="0">
-                          <a:ln>
-                            <a:noFill/>
-                          </a:ln>
-                          <a:solidFill>
-                            <a:srgbClr val="000000"/>
-                          </a:solidFill>
-                          <a:effectLst/>
-                          <a:uLnTx/>
-                          <a:uFillTx/>
-                          <a:latin typeface="Century Gothic" panose="020B0502020202020204" pitchFamily="34" charset="0"/>
-                          <a:ea typeface="+mn-ea"/>
-                          <a:cs typeface="+mn-cs"/>
-                        </a:rPr>
-                        <a:t>Total distance</a:t>
-                      </a:r>
-                      <a:r>
-                        <a:rPr kumimoji="0" lang="en-US" sz="1600" b="0" i="0" u="none" strike="noStrike" kern="1200" cap="none" spc="0" normalizeH="0" baseline="0" noProof="0" dirty="0" smtClean="0">
-                          <a:ln>
-                            <a:noFill/>
-                          </a:ln>
-                          <a:solidFill>
-                            <a:prstClr val="black"/>
-                          </a:solidFill>
-                          <a:effectLst/>
-                          <a:uLnTx/>
-                          <a:uFillTx/>
-                          <a:latin typeface="Century Gothic" panose="020B0502020202020204" pitchFamily="34" charset="0"/>
-                          <a:ea typeface="+mn-ea"/>
-                          <a:cs typeface="+mn-cs"/>
-                        </a:rPr>
-                        <a:t> 'Total per diem rate of 8,000/ = per night for 3 days/2 nights</a:t>
-                      </a:r>
-                      <a:endParaRPr lang="en-US" sz="1600" dirty="0">
-                        <a:latin typeface="Century Gothic" panose="020B0502020202020204" pitchFamily="34" charset="0"/>
-                      </a:endParaRPr>
-                    </a:p>
-                  </a:txBody>
-                  <a:tcPr/>
-                </a:tc>
-                <a:tc>
-                  <a:txBody>
-                    <a:bodyPr/>
-                    <a:lstStyle/>
-                    <a:p>
-                      <a:r>
-                        <a:rPr lang="en-US" sz="1600" dirty="0" smtClean="0">
-                          <a:latin typeface="Century Gothic" panose="020B0502020202020204" pitchFamily="34" charset="0"/>
-                        </a:rPr>
-                        <a:t>2062kms= Ksh.61,860',</a:t>
-                      </a:r>
-                    </a:p>
-                    <a:p>
-                      <a:pPr marL="0" marR="0" lvl="0" indent="0" algn="l" defTabSz="914400" rtl="0" eaLnBrk="1" fontAlgn="auto" latinLnBrk="0" hangingPunct="1">
-                        <a:lnSpc>
-                          <a:spcPct val="100000"/>
-                        </a:lnSpc>
-                        <a:spcBef>
-                          <a:spcPts val="0"/>
-                        </a:spcBef>
-                        <a:spcAft>
-                          <a:spcPts val="0"/>
-                        </a:spcAft>
-                        <a:buClrTx/>
-                        <a:buSzTx/>
-                        <a:buFontTx/>
-                        <a:buNone/>
-                        <a:tabLst/>
-                        <a:defRPr/>
-                      </a:pPr>
-                      <a:r>
-                        <a:rPr kumimoji="0" lang="en-US" sz="1600" b="0" i="0" u="none" strike="noStrike" kern="1200" cap="none" spc="0" normalizeH="0" baseline="0" noProof="0" dirty="0" smtClean="0">
-                          <a:ln>
-                            <a:noFill/>
-                          </a:ln>
-                          <a:solidFill>
-                            <a:prstClr val="black"/>
-                          </a:solidFill>
-                          <a:effectLst/>
-                          <a:uLnTx/>
-                          <a:uFillTx/>
-                          <a:latin typeface="Century Gothic" panose="020B0502020202020204" pitchFamily="34" charset="0"/>
-                          <a:ea typeface="+mn-ea"/>
-                          <a:cs typeface="+mn-cs"/>
-                        </a:rPr>
-                        <a:t>Ksh.16,000',</a:t>
-                      </a:r>
-                    </a:p>
-                    <a:p>
-                      <a:endParaRPr lang="en-US" sz="1600" dirty="0">
-                        <a:latin typeface="Century Gothic" panose="020B0502020202020204" pitchFamily="34" charset="0"/>
-                      </a:endParaRPr>
-                    </a:p>
-                  </a:txBody>
-                  <a:tcPr/>
-                </a:tc>
-                <a:extLst>
-                  <a:ext uri="{0D108BD9-81ED-4DB2-BD59-A6C34878D82A}">
-                    <a16:rowId xmlns:a16="http://schemas.microsoft.com/office/drawing/2014/main" val="2769524120"/>
-                  </a:ext>
-                </a:extLst>
-              </a:tr>
-              <a:tr h="471097">
-                <a:tc>
-                  <a:txBody>
-                    <a:bodyPr/>
-                    <a:lstStyle/>
-                    <a:p>
-                      <a:pPr marL="0" marR="0" lvl="0" indent="0" algn="l" defTabSz="914400" rtl="0" eaLnBrk="1" fontAlgn="auto" latinLnBrk="0" hangingPunct="1">
-                        <a:lnSpc>
-                          <a:spcPct val="100000"/>
-                        </a:lnSpc>
-                        <a:spcBef>
-                          <a:spcPts val="0"/>
-                        </a:spcBef>
-                        <a:spcAft>
-                          <a:spcPts val="0"/>
-                        </a:spcAft>
-                        <a:buClrTx/>
-                        <a:buSzTx/>
-                        <a:buFontTx/>
-                        <a:buNone/>
-                        <a:tabLst/>
-                        <a:defRPr/>
-                      </a:pPr>
-                      <a:r>
-                        <a:rPr kumimoji="0" lang="en-US" sz="1600" b="0" i="0" u="none" strike="noStrike" kern="1200" cap="none" spc="0" normalizeH="0" baseline="0" noProof="0" dirty="0" smtClean="0">
-                          <a:ln>
-                            <a:noFill/>
-                          </a:ln>
-                          <a:solidFill>
-                            <a:prstClr val="black"/>
-                          </a:solidFill>
-                          <a:effectLst/>
-                          <a:uLnTx/>
-                          <a:uFillTx/>
-                          <a:latin typeface="Century Gothic" panose="020B0502020202020204" pitchFamily="34" charset="0"/>
-                          <a:ea typeface="+mn-ea"/>
-                          <a:cs typeface="+mn-cs"/>
-                        </a:rPr>
-                        <a:t>'Accommodation of 7,000/ = per night for 3 days/2 nights =</a:t>
-                      </a:r>
-                      <a:endParaRPr lang="en-US" sz="1600" dirty="0">
-                        <a:latin typeface="Century Gothic" panose="020B0502020202020204" pitchFamily="34" charset="0"/>
-                      </a:endParaRPr>
-                    </a:p>
-                  </a:txBody>
-                  <a:tcPr/>
-                </a:tc>
-                <a:tc>
-                  <a:txBody>
-                    <a:bodyPr/>
-                    <a:lstStyle/>
-                    <a:p>
-                      <a:r>
-                        <a:rPr lang="en-US" sz="1600" dirty="0" smtClean="0">
-                          <a:latin typeface="Century Gothic" panose="020B0502020202020204" pitchFamily="34" charset="0"/>
-                        </a:rPr>
-                        <a:t> Ksh.14,000',</a:t>
-                      </a:r>
-                    </a:p>
-                    <a:p>
-                      <a:endParaRPr lang="en-US" sz="1600" dirty="0">
-                        <a:latin typeface="Century Gothic" panose="020B0502020202020204" pitchFamily="34" charset="0"/>
-                      </a:endParaRPr>
-                    </a:p>
-                  </a:txBody>
-                  <a:tcPr/>
-                </a:tc>
-                <a:extLst>
-                  <a:ext uri="{0D108BD9-81ED-4DB2-BD59-A6C34878D82A}">
-                    <a16:rowId xmlns:a16="http://schemas.microsoft.com/office/drawing/2014/main" val="2807136552"/>
-                  </a:ext>
-                </a:extLst>
-              </a:tr>
-              <a:tr h="471097">
-                <a:tc>
-                  <a:txBody>
-                    <a:bodyPr/>
-                    <a:lstStyle/>
-                    <a:p>
-                      <a:pPr marL="0" marR="0" lvl="0" indent="0" algn="l" defTabSz="914400" rtl="0" eaLnBrk="1" fontAlgn="auto" latinLnBrk="0" hangingPunct="1">
-                        <a:lnSpc>
-                          <a:spcPct val="100000"/>
-                        </a:lnSpc>
-                        <a:spcBef>
-                          <a:spcPts val="0"/>
-                        </a:spcBef>
-                        <a:spcAft>
-                          <a:spcPts val="0"/>
-                        </a:spcAft>
-                        <a:buClrTx/>
-                        <a:buSzTx/>
-                        <a:buFontTx/>
-                        <a:buNone/>
-                        <a:tabLst/>
-                        <a:defRPr/>
-                      </a:pPr>
-                      <a:endParaRPr kumimoji="0" lang="en-US" sz="1600" b="0" i="0" u="none" strike="noStrike" kern="1200" cap="none" spc="0" normalizeH="0" baseline="0" noProof="0" dirty="0" smtClean="0">
-                        <a:ln>
-                          <a:noFill/>
-                        </a:ln>
-                        <a:solidFill>
-                          <a:prstClr val="black"/>
-                        </a:solidFill>
-                        <a:effectLst/>
-                        <a:uLnTx/>
-                        <a:uFillTx/>
-                        <a:latin typeface="Century Gothic" panose="020B0502020202020204" pitchFamily="34" charset="0"/>
-                        <a:ea typeface="+mn-ea"/>
-                        <a:cs typeface="+mn-cs"/>
-                      </a:endParaRPr>
-                    </a:p>
-                    <a:p>
-                      <a:pPr marL="0" marR="0" lvl="0" indent="0" algn="l" defTabSz="914400" rtl="0" eaLnBrk="1" fontAlgn="auto" latinLnBrk="0" hangingPunct="1">
-                        <a:lnSpc>
-                          <a:spcPct val="100000"/>
-                        </a:lnSpc>
-                        <a:spcBef>
-                          <a:spcPts val="0"/>
-                        </a:spcBef>
-                        <a:spcAft>
-                          <a:spcPts val="0"/>
-                        </a:spcAft>
-                        <a:buClrTx/>
-                        <a:buSzTx/>
-                        <a:buFontTx/>
-                        <a:buNone/>
-                        <a:tabLst/>
-                        <a:defRPr/>
-                      </a:pPr>
-                      <a:r>
-                        <a:rPr kumimoji="0" lang="en-US" sz="1600" b="0" i="0" u="none" strike="noStrike" kern="1200" cap="none" spc="0" normalizeH="0" baseline="0" noProof="0" dirty="0" smtClean="0">
-                          <a:ln>
-                            <a:noFill/>
-                          </a:ln>
-                          <a:solidFill>
-                            <a:prstClr val="black"/>
-                          </a:solidFill>
-                          <a:effectLst/>
-                          <a:uLnTx/>
-                          <a:uFillTx/>
-                          <a:latin typeface="Century Gothic" panose="020B0502020202020204" pitchFamily="34" charset="0"/>
-                          <a:ea typeface="+mn-ea"/>
-                          <a:cs typeface="+mn-cs"/>
-                        </a:rPr>
-                        <a:t>'Total Fuel consumption Total distance = 2062kms*(0.1Litres/km)=206.2Litres (fuel is Ksh.98/ l)</a:t>
-                      </a:r>
-                      <a:endParaRPr lang="en-US" sz="1600" dirty="0">
-                        <a:latin typeface="Century Gothic" panose="020B0502020202020204" pitchFamily="34" charset="0"/>
-                      </a:endParaRPr>
-                    </a:p>
-                  </a:txBody>
-                  <a:tcPr/>
-                </a:tc>
-                <a:tc>
-                  <a:txBody>
-                    <a:bodyPr/>
-                    <a:lstStyle/>
-                    <a:p>
-                      <a:r>
-                        <a:rPr lang="en-US" sz="1600" dirty="0" smtClean="0">
-                          <a:latin typeface="Century Gothic" panose="020B0502020202020204" pitchFamily="34" charset="0"/>
-                        </a:rPr>
-                        <a:t>Ksh.20207.60</a:t>
-                      </a:r>
-                      <a:endParaRPr lang="en-US" sz="1600" dirty="0">
-                        <a:latin typeface="Century Gothic" panose="020B0502020202020204" pitchFamily="34" charset="0"/>
-                      </a:endParaRPr>
-                    </a:p>
-                  </a:txBody>
-                  <a:tcPr/>
-                </a:tc>
-                <a:extLst>
-                  <a:ext uri="{0D108BD9-81ED-4DB2-BD59-A6C34878D82A}">
-                    <a16:rowId xmlns:a16="http://schemas.microsoft.com/office/drawing/2014/main" val="382087203"/>
-                  </a:ext>
-                </a:extLst>
-              </a:tr>
-            </a:tbl>
-          </a:graphicData>
-        </a:graphic>
-      </p:graphicFrame>
+      <p:sp>
+        <p:nvSpPr>
+          <p:cNvPr id="2" name="TextBox 1"/>
+          <p:cNvSpPr txBox="1"/>
+          <p:nvPr/>
+        </p:nvSpPr>
+        <p:spPr>
+          <a:xfrm>
+            <a:off x="667820" y="616449"/>
+            <a:ext cx="7181636" cy="707886"/>
+          </a:xfrm>
+          <a:prstGeom prst="rect">
+            <a:avLst/>
+          </a:prstGeom>
+          <a:noFill/>
+        </p:spPr>
+        <p:txBody>
+          <a:bodyPr wrap="square" rtlCol="0">
+            <a:spAutoFit/>
+          </a:bodyPr>
+          <a:lstStyle/>
+          <a:p>
+            <a:r>
+              <a:rPr lang="en-US" sz="4000" b="1" dirty="0" smtClean="0"/>
+              <a:t>COST SAVING STRATEGIES</a:t>
+            </a:r>
+            <a:endParaRPr lang="en-US" sz="4000" b="1" dirty="0"/>
+          </a:p>
+        </p:txBody>
+      </p:sp>
+      <p:sp>
+        <p:nvSpPr>
+          <p:cNvPr id="3" name="TextBox 2"/>
+          <p:cNvSpPr txBox="1"/>
+          <p:nvPr/>
+        </p:nvSpPr>
+        <p:spPr>
+          <a:xfrm>
+            <a:off x="429802" y="1765442"/>
+            <a:ext cx="9597776" cy="2554545"/>
+          </a:xfrm>
+          <a:prstGeom prst="rect">
+            <a:avLst/>
+          </a:prstGeom>
+          <a:noFill/>
+        </p:spPr>
+        <p:txBody>
+          <a:bodyPr wrap="square" rtlCol="0">
+            <a:spAutoFit/>
+          </a:bodyPr>
+          <a:lstStyle/>
+          <a:p>
+            <a:pPr marL="285750" indent="-285750">
+              <a:buFont typeface="Arial" panose="020B0604020202020204" pitchFamily="34" charset="0"/>
+              <a:buChar char="•"/>
+            </a:pPr>
+            <a:r>
+              <a:rPr lang="en-US" sz="3200" dirty="0" smtClean="0"/>
+              <a:t>Cheaper vehicles</a:t>
+            </a:r>
+          </a:p>
+          <a:p>
+            <a:pPr marL="285750" indent="-285750">
+              <a:buFont typeface="Arial" panose="020B0604020202020204" pitchFamily="34" charset="0"/>
+              <a:buChar char="•"/>
+            </a:pPr>
+            <a:r>
+              <a:rPr lang="en-US" sz="3200" dirty="0" smtClean="0"/>
+              <a:t>Maximize on available time</a:t>
+            </a:r>
+          </a:p>
+          <a:p>
+            <a:pPr marL="285750" indent="-285750">
+              <a:buFont typeface="Arial" panose="020B0604020202020204" pitchFamily="34" charset="0"/>
+              <a:buChar char="•"/>
+            </a:pPr>
+            <a:r>
+              <a:rPr lang="en-US" sz="3200" dirty="0" smtClean="0"/>
+              <a:t>Source for cheaper accommodation</a:t>
+            </a:r>
+          </a:p>
+          <a:p>
+            <a:pPr marL="285750" indent="-285750">
+              <a:buFont typeface="Arial" panose="020B0604020202020204" pitchFamily="34" charset="0"/>
+              <a:buChar char="•"/>
+            </a:pPr>
+            <a:r>
+              <a:rPr lang="en-US" sz="3200" dirty="0" smtClean="0"/>
+              <a:t>Employ team work and work with colleagues stationed at this points to reduce travel costs</a:t>
+            </a:r>
+            <a:endParaRPr lang="en-US" sz="3200" dirty="0"/>
+          </a:p>
+        </p:txBody>
+      </p:sp>
     </p:spTree>
     <p:extLst>
       <p:ext uri="{BB962C8B-B14F-4D97-AF65-F5344CB8AC3E}">
-        <p14:creationId xmlns:p14="http://schemas.microsoft.com/office/powerpoint/2010/main" val="4286687609"/>
+        <p14:creationId xmlns:p14="http://schemas.microsoft.com/office/powerpoint/2010/main" val="1835393996"/>
       </p:ext>
     </p:extLst>
   </p:cSld>
   <p:clrMapOvr>
     <a:masterClrMapping/>
   </p:clrMapOvr>
+  <p:timing>
+    <p:tnLst>
+      <p:par>
+        <p:cTn id="1" dur="indefinite" restart="never" nodeType="tmRoot"/>
+      </p:par>
+    </p:tnLst>
+  </p:timing>
 </p:sld>
 </file>
 
